--- a/Metacritic Scrapy Project - Hanxiao(Mia) Zhang.pptx
+++ b/Metacritic Scrapy Project - Hanxiao(Mia) Zhang.pptx
@@ -288,7 +288,7 @@
           <a:p>
             <a:fld id="{C59877D3-0B95-4B47-BF0D-0A22C77152B6}" type="datetimeFigureOut">
               <a:rPr lang="en-US" smtClean="0"/>
-              <a:t>10/15/2019</a:t>
+              <a:t>10/16/2019</a:t>
             </a:fld>
             <a:endParaRPr lang="en-US"/>
           </a:p>
@@ -4418,7 +4418,7 @@
           <a:p>
             <a:fld id="{C59877D3-0B95-4B47-BF0D-0A22C77152B6}" type="datetimeFigureOut">
               <a:rPr lang="en-US" smtClean="0"/>
-              <a:t>10/15/2019</a:t>
+              <a:t>10/16/2019</a:t>
             </a:fld>
             <a:endParaRPr lang="en-US"/>
           </a:p>
@@ -6555,7 +6555,7 @@
                 </a:solidFill>
                 <a:latin typeface="+mj-lt"/>
               </a:rPr>
-              <a:t>Factor2 Review Number</a:t>
+              <a:t>Factor2 Number of Reviews</a:t>
             </a:r>
           </a:p>
           <a:p>
@@ -7263,7 +7263,7 @@
                 </a:solidFill>
                 <a:latin typeface="+mj-lt"/>
               </a:rPr>
-              <a:t>Average Score VS Review Number </a:t>
+              <a:t>Average Score VS Number of Reviews </a:t>
             </a:r>
           </a:p>
         </p:txBody>
@@ -11604,7 +11604,7 @@
                       </a:schemeClr>
                     </a:solidFill>
                   </a:rPr>
-                  <a:t>Review Number</a:t>
+                  <a:t>Number of Reviews</a:t>
                 </a:r>
               </a:p>
             </p:txBody>
@@ -15545,7 +15545,7 @@
           <a:noFill/>
           <a:ln w="38100">
             <a:solidFill>
-              <a:schemeClr val="accent1">
+              <a:schemeClr val="accent5">
                 <a:lumMod val="75000"/>
               </a:schemeClr>
             </a:solidFill>
@@ -15608,7 +15608,7 @@
           <a:noFill/>
           <a:ln w="38100">
             <a:solidFill>
-              <a:schemeClr val="accent1">
+              <a:schemeClr val="accent5">
                 <a:lumMod val="75000"/>
               </a:schemeClr>
             </a:solidFill>
@@ -15671,7 +15671,7 @@
           <a:noFill/>
           <a:ln w="38100">
             <a:solidFill>
-              <a:schemeClr val="accent1">
+              <a:schemeClr val="accent5">
                 <a:lumMod val="75000"/>
               </a:schemeClr>
             </a:solidFill>
@@ -15734,7 +15734,7 @@
           <a:noFill/>
           <a:ln w="38100">
             <a:solidFill>
-              <a:schemeClr val="accent1">
+              <a:schemeClr val="accent5">
                 <a:lumMod val="75000"/>
               </a:schemeClr>
             </a:solidFill>

--- a/Metacritic Scrapy Project - Hanxiao(Mia) Zhang.pptx
+++ b/Metacritic Scrapy Project - Hanxiao(Mia) Zhang.pptx
@@ -12,19 +12,18 @@
     <p:sldId id="299" r:id="rId6"/>
     <p:sldId id="311" r:id="rId7"/>
     <p:sldId id="301" r:id="rId8"/>
-    <p:sldId id="302" r:id="rId9"/>
-    <p:sldId id="303" r:id="rId10"/>
-    <p:sldId id="312" r:id="rId11"/>
+    <p:sldId id="312" r:id="rId9"/>
+    <p:sldId id="302" r:id="rId10"/>
+    <p:sldId id="303" r:id="rId11"/>
     <p:sldId id="300" r:id="rId12"/>
-    <p:sldId id="313" r:id="rId13"/>
-    <p:sldId id="304" r:id="rId14"/>
-    <p:sldId id="314" r:id="rId15"/>
-    <p:sldId id="316" r:id="rId16"/>
-    <p:sldId id="305" r:id="rId17"/>
-    <p:sldId id="315" r:id="rId18"/>
-    <p:sldId id="307" r:id="rId19"/>
-    <p:sldId id="310" r:id="rId20"/>
-    <p:sldId id="306" r:id="rId21"/>
+    <p:sldId id="314" r:id="rId13"/>
+    <p:sldId id="316" r:id="rId14"/>
+    <p:sldId id="305" r:id="rId15"/>
+    <p:sldId id="315" r:id="rId16"/>
+    <p:sldId id="307" r:id="rId17"/>
+    <p:sldId id="317" r:id="rId18"/>
+    <p:sldId id="310" r:id="rId19"/>
+    <p:sldId id="306" r:id="rId20"/>
   </p:sldIdLst>
   <p:sldSz cx="12192000" cy="6858000"/>
   <p:notesSz cx="6858000" cy="9144000"/>
@@ -135,17 +134,16 @@
             <p14:sldId id="299"/>
             <p14:sldId id="311"/>
             <p14:sldId id="301"/>
+            <p14:sldId id="312"/>
             <p14:sldId id="302"/>
             <p14:sldId id="303"/>
-            <p14:sldId id="312"/>
             <p14:sldId id="300"/>
-            <p14:sldId id="313"/>
-            <p14:sldId id="304"/>
             <p14:sldId id="314"/>
             <p14:sldId id="316"/>
             <p14:sldId id="305"/>
             <p14:sldId id="315"/>
             <p14:sldId id="307"/>
+            <p14:sldId id="317"/>
             <p14:sldId id="310"/>
             <p14:sldId id="306"/>
           </p14:sldIdLst>
@@ -288,7 +286,7 @@
           <a:p>
             <a:fld id="{C59877D3-0B95-4B47-BF0D-0A22C77152B6}" type="datetimeFigureOut">
               <a:rPr lang="en-US" smtClean="0"/>
-              <a:t>10/16/2019</a:t>
+              <a:t>12/24/2019</a:t>
             </a:fld>
             <a:endParaRPr lang="en-US"/>
           </a:p>
@@ -4418,7 +4416,7 @@
           <a:p>
             <a:fld id="{C59877D3-0B95-4B47-BF0D-0A22C77152B6}" type="datetimeFigureOut">
               <a:rPr lang="en-US" smtClean="0"/>
-              <a:t>10/16/2019</a:t>
+              <a:t>12/24/2019</a:t>
             </a:fld>
             <a:endParaRPr lang="en-US"/>
           </a:p>
@@ -5363,36 +5361,62 @@
           <a:chExt cx="0" cy="0"/>
         </a:xfrm>
       </p:grpSpPr>
+      <p:pic>
+        <p:nvPicPr>
+          <p:cNvPr id="32" name="图片 31">
+            <a:extLst>
+              <a:ext uri="{FF2B5EF4-FFF2-40B4-BE49-F238E27FC236}">
+                <a16:creationId xmlns:a16="http://schemas.microsoft.com/office/drawing/2014/main" id="{8FCC2D13-B6FC-4E7F-A58A-5A8051D34877}"/>
+              </a:ext>
+            </a:extLst>
+          </p:cNvPr>
+          <p:cNvPicPr>
+            <a:picLocks noChangeAspect="1"/>
+          </p:cNvPicPr>
+          <p:nvPr/>
+        </p:nvPicPr>
+        <p:blipFill>
+          <a:blip r:embed="rId2">
+            <a:extLst>
+              <a:ext uri="{28A0092B-C50C-407E-A947-70E740481C1C}">
+                <a14:useLocalDpi xmlns:a14="http://schemas.microsoft.com/office/drawing/2010/main" val="0"/>
+              </a:ext>
+            </a:extLst>
+          </a:blip>
+          <a:srcRect/>
+          <a:stretch/>
+        </p:blipFill>
+        <p:spPr>
+          <a:xfrm>
+            <a:off x="804161" y="648927"/>
+            <a:ext cx="10366571" cy="5292244"/>
+          </a:xfrm>
+          <a:prstGeom prst="rect">
+            <a:avLst/>
+          </a:prstGeom>
+          <a:ln>
+            <a:noFill/>
+          </a:ln>
+        </p:spPr>
+      </p:pic>
       <p:sp>
         <p:nvSpPr>
-          <p:cNvPr id="2" name="Picture Placeholder 1"/>
-          <p:cNvSpPr>
-            <a:spLocks noGrp="1"/>
-          </p:cNvSpPr>
-          <p:nvPr>
-            <p:ph type="pic" sz="quarter" idx="10"/>
-          </p:nvPr>
-        </p:nvSpPr>
-        <p:spPr/>
-      </p:sp>
-      <p:sp>
-        <p:nvSpPr>
-          <p:cNvPr id="5" name="Rectangle 4"/>
+          <p:cNvPr id="5" name="Parallelogram 4"/>
           <p:cNvSpPr/>
           <p:nvPr/>
         </p:nvSpPr>
         <p:spPr>
           <a:xfrm>
-            <a:off x="0" y="0"/>
-            <a:ext cx="12192000" cy="6858000"/>
-          </a:xfrm>
-          <a:prstGeom prst="rect">
-            <a:avLst/>
+            <a:off x="11003664" y="5390102"/>
+            <a:ext cx="768350" cy="781902"/>
+          </a:xfrm>
+          <a:prstGeom prst="parallelogram">
+            <a:avLst>
+              <a:gd name="adj" fmla="val 19315"/>
+            </a:avLst>
           </a:prstGeom>
           <a:solidFill>
-            <a:schemeClr val="bg1">
-              <a:alpha val="70000"/>
-            </a:schemeClr>
+            <a:schemeClr val="accent2"/>
           </a:solidFill>
           <a:ln>
             <a:noFill/>
@@ -5425,22 +5449,331 @@
       </p:sp>
       <p:sp>
         <p:nvSpPr>
-          <p:cNvPr id="6" name="TextBox 5"/>
-          <p:cNvSpPr txBox="1"/>
+          <p:cNvPr id="6" name="Parallelogram 4">
+            <a:extLst>
+              <a:ext uri="{FF2B5EF4-FFF2-40B4-BE49-F238E27FC236}">
+                <a16:creationId xmlns:a16="http://schemas.microsoft.com/office/drawing/2014/main" id="{48E37157-44A2-4522-BD31-3887632EEF68}"/>
+              </a:ext>
+            </a:extLst>
+          </p:cNvPr>
+          <p:cNvSpPr/>
           <p:nvPr/>
         </p:nvSpPr>
         <p:spPr>
-          <a:xfrm flipH="1">
-            <a:off x="10332" y="2212673"/>
-            <a:ext cx="12191999" cy="2432654"/>
+          <a:xfrm>
+            <a:off x="285461" y="257976"/>
+            <a:ext cx="768350" cy="781902"/>
+          </a:xfrm>
+          <a:prstGeom prst="parallelogram">
+            <a:avLst>
+              <a:gd name="adj" fmla="val 19315"/>
+            </a:avLst>
+          </a:prstGeom>
+          <a:solidFill>
+            <a:schemeClr val="accent2"/>
+          </a:solidFill>
+          <a:ln>
+            <a:noFill/>
+          </a:ln>
+        </p:spPr>
+        <p:style>
+          <a:lnRef idx="2">
+            <a:schemeClr val="accent1">
+              <a:shade val="50000"/>
+            </a:schemeClr>
+          </a:lnRef>
+          <a:fillRef idx="1">
+            <a:schemeClr val="accent1"/>
+          </a:fillRef>
+          <a:effectRef idx="0">
+            <a:schemeClr val="accent1"/>
+          </a:effectRef>
+          <a:fontRef idx="minor">
+            <a:schemeClr val="lt1"/>
+          </a:fontRef>
+        </p:style>
+        <p:txBody>
+          <a:bodyPr rtlCol="0" anchor="ctr"/>
+          <a:lstStyle/>
+          <a:p>
+            <a:pPr algn="ctr"/>
+            <a:endParaRPr lang="en-US"/>
+          </a:p>
+        </p:txBody>
+      </p:sp>
+      <p:sp>
+        <p:nvSpPr>
+          <p:cNvPr id="7" name="矩形 6">
+            <a:extLst>
+              <a:ext uri="{FF2B5EF4-FFF2-40B4-BE49-F238E27FC236}">
+                <a16:creationId xmlns:a16="http://schemas.microsoft.com/office/drawing/2014/main" id="{3C1F77A1-4ACF-4552-8CBB-F3D2316C3D7D}"/>
+              </a:ext>
+            </a:extLst>
+          </p:cNvPr>
+          <p:cNvSpPr/>
+          <p:nvPr/>
+        </p:nvSpPr>
+        <p:spPr>
+          <a:xfrm>
+            <a:off x="9543393" y="2991841"/>
+            <a:ext cx="504496" cy="2096537"/>
           </a:xfrm>
           <a:prstGeom prst="rect">
             <a:avLst/>
           </a:prstGeom>
           <a:noFill/>
-          <a:ln>
-            <a:noFill/>
+          <a:ln w="38100">
+            <a:solidFill>
+              <a:schemeClr val="accent5">
+                <a:lumMod val="75000"/>
+              </a:schemeClr>
+            </a:solidFill>
           </a:ln>
+        </p:spPr>
+        <p:style>
+          <a:lnRef idx="2">
+            <a:schemeClr val="accent1">
+              <a:shade val="50000"/>
+            </a:schemeClr>
+          </a:lnRef>
+          <a:fillRef idx="1">
+            <a:schemeClr val="accent1"/>
+          </a:fillRef>
+          <a:effectRef idx="0">
+            <a:schemeClr val="accent1"/>
+          </a:effectRef>
+          <a:fontRef idx="minor">
+            <a:schemeClr val="lt1"/>
+          </a:fontRef>
+        </p:style>
+        <p:txBody>
+          <a:bodyPr rtlCol="0" anchor="ctr"/>
+          <a:lstStyle/>
+          <a:p>
+            <a:pPr algn="ctr"/>
+            <a:endParaRPr lang="en-US">
+              <a:ln w="76200">
+                <a:solidFill>
+                  <a:schemeClr val="accent1">
+                    <a:lumMod val="60000"/>
+                    <a:lumOff val="40000"/>
+                  </a:schemeClr>
+                </a:solidFill>
+              </a:ln>
+            </a:endParaRPr>
+          </a:p>
+        </p:txBody>
+      </p:sp>
+      <p:sp>
+        <p:nvSpPr>
+          <p:cNvPr id="8" name="矩形 7">
+            <a:extLst>
+              <a:ext uri="{FF2B5EF4-FFF2-40B4-BE49-F238E27FC236}">
+                <a16:creationId xmlns:a16="http://schemas.microsoft.com/office/drawing/2014/main" id="{E40554F4-A026-4B56-90B9-D1D0821F5213}"/>
+              </a:ext>
+            </a:extLst>
+          </p:cNvPr>
+          <p:cNvSpPr/>
+          <p:nvPr/>
+        </p:nvSpPr>
+        <p:spPr>
+          <a:xfrm>
+            <a:off x="4690543" y="1512228"/>
+            <a:ext cx="2113485" cy="460244"/>
+          </a:xfrm>
+          <a:prstGeom prst="rect">
+            <a:avLst/>
+          </a:prstGeom>
+          <a:noFill/>
+          <a:ln w="38100">
+            <a:solidFill>
+              <a:schemeClr val="accent5">
+                <a:lumMod val="75000"/>
+              </a:schemeClr>
+            </a:solidFill>
+          </a:ln>
+        </p:spPr>
+        <p:style>
+          <a:lnRef idx="2">
+            <a:schemeClr val="accent1">
+              <a:shade val="50000"/>
+            </a:schemeClr>
+          </a:lnRef>
+          <a:fillRef idx="1">
+            <a:schemeClr val="accent1"/>
+          </a:fillRef>
+          <a:effectRef idx="0">
+            <a:schemeClr val="accent1"/>
+          </a:effectRef>
+          <a:fontRef idx="minor">
+            <a:schemeClr val="lt1"/>
+          </a:fontRef>
+        </p:style>
+        <p:txBody>
+          <a:bodyPr rtlCol="0" anchor="ctr"/>
+          <a:lstStyle/>
+          <a:p>
+            <a:pPr algn="ctr"/>
+            <a:endParaRPr lang="en-US">
+              <a:ln w="76200">
+                <a:solidFill>
+                  <a:schemeClr val="accent1">
+                    <a:lumMod val="60000"/>
+                    <a:lumOff val="40000"/>
+                  </a:schemeClr>
+                </a:solidFill>
+              </a:ln>
+            </a:endParaRPr>
+          </a:p>
+        </p:txBody>
+      </p:sp>
+      <p:sp>
+        <p:nvSpPr>
+          <p:cNvPr id="9" name="矩形 8">
+            <a:extLst>
+              <a:ext uri="{FF2B5EF4-FFF2-40B4-BE49-F238E27FC236}">
+                <a16:creationId xmlns:a16="http://schemas.microsoft.com/office/drawing/2014/main" id="{06A773DE-5062-4112-ACEE-D5A727CEA4B8}"/>
+              </a:ext>
+            </a:extLst>
+          </p:cNvPr>
+          <p:cNvSpPr/>
+          <p:nvPr/>
+        </p:nvSpPr>
+        <p:spPr>
+          <a:xfrm>
+            <a:off x="4911396" y="4399953"/>
+            <a:ext cx="1671781" cy="541113"/>
+          </a:xfrm>
+          <a:prstGeom prst="rect">
+            <a:avLst/>
+          </a:prstGeom>
+          <a:noFill/>
+          <a:ln w="38100">
+            <a:solidFill>
+              <a:schemeClr val="accent5">
+                <a:lumMod val="75000"/>
+              </a:schemeClr>
+            </a:solidFill>
+          </a:ln>
+        </p:spPr>
+        <p:style>
+          <a:lnRef idx="2">
+            <a:schemeClr val="accent1">
+              <a:shade val="50000"/>
+            </a:schemeClr>
+          </a:lnRef>
+          <a:fillRef idx="1">
+            <a:schemeClr val="accent1"/>
+          </a:fillRef>
+          <a:effectRef idx="0">
+            <a:schemeClr val="accent1"/>
+          </a:effectRef>
+          <a:fontRef idx="minor">
+            <a:schemeClr val="lt1"/>
+          </a:fontRef>
+        </p:style>
+        <p:txBody>
+          <a:bodyPr rtlCol="0" anchor="ctr"/>
+          <a:lstStyle/>
+          <a:p>
+            <a:pPr algn="ctr"/>
+            <a:endParaRPr lang="en-US">
+              <a:ln w="76200">
+                <a:solidFill>
+                  <a:schemeClr val="accent1">
+                    <a:lumMod val="60000"/>
+                    <a:lumOff val="40000"/>
+                  </a:schemeClr>
+                </a:solidFill>
+              </a:ln>
+            </a:endParaRPr>
+          </a:p>
+        </p:txBody>
+      </p:sp>
+      <p:sp>
+        <p:nvSpPr>
+          <p:cNvPr id="10" name="矩形 9">
+            <a:extLst>
+              <a:ext uri="{FF2B5EF4-FFF2-40B4-BE49-F238E27FC236}">
+                <a16:creationId xmlns:a16="http://schemas.microsoft.com/office/drawing/2014/main" id="{A1242BD8-C176-4BFC-8357-331DD9EA5B13}"/>
+              </a:ext>
+            </a:extLst>
+          </p:cNvPr>
+          <p:cNvSpPr/>
+          <p:nvPr/>
+        </p:nvSpPr>
+        <p:spPr>
+          <a:xfrm>
+            <a:off x="2499591" y="2457948"/>
+            <a:ext cx="2650477" cy="971052"/>
+          </a:xfrm>
+          <a:prstGeom prst="rect">
+            <a:avLst/>
+          </a:prstGeom>
+          <a:noFill/>
+          <a:ln w="38100">
+            <a:solidFill>
+              <a:schemeClr val="accent5">
+                <a:lumMod val="75000"/>
+              </a:schemeClr>
+            </a:solidFill>
+          </a:ln>
+        </p:spPr>
+        <p:style>
+          <a:lnRef idx="2">
+            <a:schemeClr val="accent1">
+              <a:shade val="50000"/>
+            </a:schemeClr>
+          </a:lnRef>
+          <a:fillRef idx="1">
+            <a:schemeClr val="accent1"/>
+          </a:fillRef>
+          <a:effectRef idx="0">
+            <a:schemeClr val="accent1"/>
+          </a:effectRef>
+          <a:fontRef idx="minor">
+            <a:schemeClr val="lt1"/>
+          </a:fontRef>
+        </p:style>
+        <p:txBody>
+          <a:bodyPr rtlCol="0" anchor="ctr"/>
+          <a:lstStyle/>
+          <a:p>
+            <a:pPr algn="ctr"/>
+            <a:endParaRPr lang="en-US">
+              <a:ln w="76200">
+                <a:solidFill>
+                  <a:schemeClr val="accent1">
+                    <a:lumMod val="60000"/>
+                    <a:lumOff val="40000"/>
+                  </a:schemeClr>
+                </a:solidFill>
+              </a:ln>
+            </a:endParaRPr>
+          </a:p>
+        </p:txBody>
+      </p:sp>
+      <p:sp>
+        <p:nvSpPr>
+          <p:cNvPr id="11" name="文本框 10">
+            <a:extLst>
+              <a:ext uri="{FF2B5EF4-FFF2-40B4-BE49-F238E27FC236}">
+                <a16:creationId xmlns:a16="http://schemas.microsoft.com/office/drawing/2014/main" id="{D1E40F0C-5BD0-40C5-A4BC-9656BDFE21E1}"/>
+              </a:ext>
+            </a:extLst>
+          </p:cNvPr>
+          <p:cNvSpPr txBox="1"/>
+          <p:nvPr/>
+        </p:nvSpPr>
+        <p:spPr>
+          <a:xfrm>
+            <a:off x="285461" y="418094"/>
+            <a:ext cx="788276" cy="461665"/>
+          </a:xfrm>
+          <a:prstGeom prst="rect">
+            <a:avLst/>
+          </a:prstGeom>
+          <a:noFill/>
         </p:spPr>
         <p:txBody>
           <a:bodyPr wrap="square" rtlCol="0">
@@ -5448,387 +5781,24 @@
           </a:bodyPr>
           <a:lstStyle/>
           <a:p>
-            <a:pPr algn="ctr">
-              <a:lnSpc>
-                <a:spcPct val="150000"/>
-              </a:lnSpc>
-            </a:pPr>
             <a:r>
-              <a:rPr lang="en-US" sz="5400" b="1" spc="300" dirty="0">
+              <a:rPr lang="en-US" sz="2400" b="1" dirty="0">
                 <a:solidFill>
-                  <a:schemeClr val="tx1">
-                    <a:lumMod val="90000"/>
-                    <a:lumOff val="10000"/>
+                  <a:schemeClr val="tx2">
+                    <a:lumMod val="75000"/>
+                    <a:lumOff val="25000"/>
                   </a:schemeClr>
                 </a:solidFill>
-                <a:latin typeface="+mj-lt"/>
               </a:rPr>
-              <a:t>Factor1 Genre</a:t>
+              <a:t>&lt;30</a:t>
             </a:r>
-          </a:p>
-          <a:p>
-            <a:pPr algn="ctr">
-              <a:lnSpc>
-                <a:spcPct val="150000"/>
-              </a:lnSpc>
-            </a:pPr>
-            <a:r>
-              <a:rPr lang="en-US" sz="5400" b="1" spc="300" dirty="0">
-                <a:solidFill>
-                  <a:schemeClr val="tx1">
-                    <a:lumMod val="90000"/>
-                    <a:lumOff val="10000"/>
-                  </a:schemeClr>
-                </a:solidFill>
-                <a:latin typeface="+mj-lt"/>
-              </a:rPr>
-              <a:t>Metascore VS </a:t>
-            </a:r>
-            <a:r>
-              <a:rPr lang="en-US" sz="5400" b="1" spc="300" dirty="0" err="1">
-                <a:solidFill>
-                  <a:schemeClr val="tx1">
-                    <a:lumMod val="90000"/>
-                    <a:lumOff val="10000"/>
-                  </a:schemeClr>
-                </a:solidFill>
-                <a:latin typeface="+mj-lt"/>
-              </a:rPr>
-              <a:t>Userscore</a:t>
-            </a:r>
-            <a:endParaRPr lang="en-US" sz="5400" b="1" spc="300" dirty="0">
-              <a:solidFill>
-                <a:schemeClr val="tx1">
-                  <a:lumMod val="90000"/>
-                  <a:lumOff val="10000"/>
-                </a:schemeClr>
-              </a:solidFill>
-              <a:latin typeface="+mj-lt"/>
-            </a:endParaRPr>
           </a:p>
         </p:txBody>
       </p:sp>
-      <p:grpSp>
-        <p:nvGrpSpPr>
-          <p:cNvPr id="30" name="Group 29"/>
-          <p:cNvGrpSpPr/>
-          <p:nvPr/>
-        </p:nvGrpSpPr>
-        <p:grpSpPr>
-          <a:xfrm>
-            <a:off x="0" y="0"/>
-            <a:ext cx="6106332" cy="934335"/>
-            <a:chOff x="0" y="0"/>
-            <a:chExt cx="6106332" cy="934335"/>
-          </a:xfrm>
-        </p:grpSpPr>
-        <p:sp>
-          <p:nvSpPr>
-            <p:cNvPr id="16" name="Rectangle 15"/>
-            <p:cNvSpPr/>
-            <p:nvPr/>
-          </p:nvSpPr>
-          <p:spPr>
-            <a:xfrm>
-              <a:off x="0" y="0"/>
-              <a:ext cx="6106332" cy="934335"/>
-            </a:xfrm>
-            <a:custGeom>
-              <a:avLst/>
-              <a:gdLst>
-                <a:gd name="connsiteX0" fmla="*/ 0 w 6106332"/>
-                <a:gd name="connsiteY0" fmla="*/ 0 h 915285"/>
-                <a:gd name="connsiteX1" fmla="*/ 6106332 w 6106332"/>
-                <a:gd name="connsiteY1" fmla="*/ 0 h 915285"/>
-                <a:gd name="connsiteX2" fmla="*/ 6106332 w 6106332"/>
-                <a:gd name="connsiteY2" fmla="*/ 915285 h 915285"/>
-                <a:gd name="connsiteX3" fmla="*/ 0 w 6106332"/>
-                <a:gd name="connsiteY3" fmla="*/ 915285 h 915285"/>
-                <a:gd name="connsiteX4" fmla="*/ 0 w 6106332"/>
-                <a:gd name="connsiteY4" fmla="*/ 0 h 915285"/>
-                <a:gd name="connsiteX0" fmla="*/ 0 w 6106332"/>
-                <a:gd name="connsiteY0" fmla="*/ 0 h 934335"/>
-                <a:gd name="connsiteX1" fmla="*/ 6106332 w 6106332"/>
-                <a:gd name="connsiteY1" fmla="*/ 0 h 934335"/>
-                <a:gd name="connsiteX2" fmla="*/ 5725332 w 6106332"/>
-                <a:gd name="connsiteY2" fmla="*/ 934335 h 934335"/>
-                <a:gd name="connsiteX3" fmla="*/ 0 w 6106332"/>
-                <a:gd name="connsiteY3" fmla="*/ 915285 h 934335"/>
-                <a:gd name="connsiteX4" fmla="*/ 0 w 6106332"/>
-                <a:gd name="connsiteY4" fmla="*/ 0 h 934335"/>
-              </a:gdLst>
-              <a:ahLst/>
-              <a:cxnLst>
-                <a:cxn ang="0">
-                  <a:pos x="connsiteX0" y="connsiteY0"/>
-                </a:cxn>
-                <a:cxn ang="0">
-                  <a:pos x="connsiteX1" y="connsiteY1"/>
-                </a:cxn>
-                <a:cxn ang="0">
-                  <a:pos x="connsiteX2" y="connsiteY2"/>
-                </a:cxn>
-                <a:cxn ang="0">
-                  <a:pos x="connsiteX3" y="connsiteY3"/>
-                </a:cxn>
-                <a:cxn ang="0">
-                  <a:pos x="connsiteX4" y="connsiteY4"/>
-                </a:cxn>
-              </a:cxnLst>
-              <a:rect l="l" t="t" r="r" b="b"/>
-              <a:pathLst>
-                <a:path w="6106332" h="934335">
-                  <a:moveTo>
-                    <a:pt x="0" y="0"/>
-                  </a:moveTo>
-                  <a:lnTo>
-                    <a:pt x="6106332" y="0"/>
-                  </a:lnTo>
-                  <a:lnTo>
-                    <a:pt x="5725332" y="934335"/>
-                  </a:lnTo>
-                  <a:lnTo>
-                    <a:pt x="0" y="915285"/>
-                  </a:lnTo>
-                  <a:lnTo>
-                    <a:pt x="0" y="0"/>
-                  </a:lnTo>
-                  <a:close/>
-                </a:path>
-              </a:pathLst>
-            </a:custGeom>
-            <a:ln>
-              <a:noFill/>
-            </a:ln>
-          </p:spPr>
-          <p:style>
-            <a:lnRef idx="2">
-              <a:schemeClr val="accent1">
-                <a:shade val="50000"/>
-              </a:schemeClr>
-            </a:lnRef>
-            <a:fillRef idx="1">
-              <a:schemeClr val="accent1"/>
-            </a:fillRef>
-            <a:effectRef idx="0">
-              <a:schemeClr val="accent1"/>
-            </a:effectRef>
-            <a:fontRef idx="minor">
-              <a:schemeClr val="lt1"/>
-            </a:fontRef>
-          </p:style>
-          <p:txBody>
-            <a:bodyPr rtlCol="0" anchor="ctr"/>
-            <a:lstStyle/>
-            <a:p>
-              <a:pPr algn="ctr"/>
-              <a:endParaRPr lang="en-US"/>
-            </a:p>
-          </p:txBody>
-        </p:sp>
-        <p:cxnSp>
-          <p:nvCxnSpPr>
-            <p:cNvPr id="27" name="Straight Connector 26"/>
-            <p:cNvCxnSpPr/>
-            <p:nvPr/>
-          </p:nvCxnSpPr>
-          <p:spPr>
-            <a:xfrm>
-              <a:off x="0" y="452653"/>
-              <a:ext cx="4248150" cy="0"/>
-            </a:xfrm>
-            <a:prstGeom prst="line">
-              <a:avLst/>
-            </a:prstGeom>
-            <a:ln w="50800">
-              <a:solidFill>
-                <a:schemeClr val="bg1"/>
-              </a:solidFill>
-              <a:tailEnd type="diamond"/>
-            </a:ln>
-          </p:spPr>
-          <p:style>
-            <a:lnRef idx="1">
-              <a:schemeClr val="accent1"/>
-            </a:lnRef>
-            <a:fillRef idx="0">
-              <a:schemeClr val="accent1"/>
-            </a:fillRef>
-            <a:effectRef idx="0">
-              <a:schemeClr val="accent1"/>
-            </a:effectRef>
-            <a:fontRef idx="minor">
-              <a:schemeClr val="tx1"/>
-            </a:fontRef>
-          </p:style>
-        </p:cxnSp>
-      </p:grpSp>
-      <p:grpSp>
-        <p:nvGrpSpPr>
-          <p:cNvPr id="34" name="Group 33"/>
-          <p:cNvGrpSpPr/>
-          <p:nvPr/>
-        </p:nvGrpSpPr>
-        <p:grpSpPr>
-          <a:xfrm>
-            <a:off x="6085668" y="5923665"/>
-            <a:ext cx="6106332" cy="934335"/>
-            <a:chOff x="6085668" y="5923665"/>
-            <a:chExt cx="6106332" cy="934335"/>
-          </a:xfrm>
-        </p:grpSpPr>
-        <p:sp>
-          <p:nvSpPr>
-            <p:cNvPr id="25" name="Rectangle 15"/>
-            <p:cNvSpPr/>
-            <p:nvPr/>
-          </p:nvSpPr>
-          <p:spPr>
-            <a:xfrm rot="10800000">
-              <a:off x="6085668" y="5923665"/>
-              <a:ext cx="6106332" cy="934335"/>
-            </a:xfrm>
-            <a:custGeom>
-              <a:avLst/>
-              <a:gdLst>
-                <a:gd name="connsiteX0" fmla="*/ 0 w 6106332"/>
-                <a:gd name="connsiteY0" fmla="*/ 0 h 915285"/>
-                <a:gd name="connsiteX1" fmla="*/ 6106332 w 6106332"/>
-                <a:gd name="connsiteY1" fmla="*/ 0 h 915285"/>
-                <a:gd name="connsiteX2" fmla="*/ 6106332 w 6106332"/>
-                <a:gd name="connsiteY2" fmla="*/ 915285 h 915285"/>
-                <a:gd name="connsiteX3" fmla="*/ 0 w 6106332"/>
-                <a:gd name="connsiteY3" fmla="*/ 915285 h 915285"/>
-                <a:gd name="connsiteX4" fmla="*/ 0 w 6106332"/>
-                <a:gd name="connsiteY4" fmla="*/ 0 h 915285"/>
-                <a:gd name="connsiteX0" fmla="*/ 0 w 6106332"/>
-                <a:gd name="connsiteY0" fmla="*/ 0 h 934335"/>
-                <a:gd name="connsiteX1" fmla="*/ 6106332 w 6106332"/>
-                <a:gd name="connsiteY1" fmla="*/ 0 h 934335"/>
-                <a:gd name="connsiteX2" fmla="*/ 5725332 w 6106332"/>
-                <a:gd name="connsiteY2" fmla="*/ 934335 h 934335"/>
-                <a:gd name="connsiteX3" fmla="*/ 0 w 6106332"/>
-                <a:gd name="connsiteY3" fmla="*/ 915285 h 934335"/>
-                <a:gd name="connsiteX4" fmla="*/ 0 w 6106332"/>
-                <a:gd name="connsiteY4" fmla="*/ 0 h 934335"/>
-              </a:gdLst>
-              <a:ahLst/>
-              <a:cxnLst>
-                <a:cxn ang="0">
-                  <a:pos x="connsiteX0" y="connsiteY0"/>
-                </a:cxn>
-                <a:cxn ang="0">
-                  <a:pos x="connsiteX1" y="connsiteY1"/>
-                </a:cxn>
-                <a:cxn ang="0">
-                  <a:pos x="connsiteX2" y="connsiteY2"/>
-                </a:cxn>
-                <a:cxn ang="0">
-                  <a:pos x="connsiteX3" y="connsiteY3"/>
-                </a:cxn>
-                <a:cxn ang="0">
-                  <a:pos x="connsiteX4" y="connsiteY4"/>
-                </a:cxn>
-              </a:cxnLst>
-              <a:rect l="l" t="t" r="r" b="b"/>
-              <a:pathLst>
-                <a:path w="6106332" h="934335">
-                  <a:moveTo>
-                    <a:pt x="0" y="0"/>
-                  </a:moveTo>
-                  <a:lnTo>
-                    <a:pt x="6106332" y="0"/>
-                  </a:lnTo>
-                  <a:lnTo>
-                    <a:pt x="5725332" y="934335"/>
-                  </a:lnTo>
-                  <a:lnTo>
-                    <a:pt x="0" y="915285"/>
-                  </a:lnTo>
-                  <a:lnTo>
-                    <a:pt x="0" y="0"/>
-                  </a:lnTo>
-                  <a:close/>
-                </a:path>
-              </a:pathLst>
-            </a:custGeom>
-            <a:solidFill>
-              <a:schemeClr val="accent2"/>
-            </a:solidFill>
-            <a:ln>
-              <a:noFill/>
-            </a:ln>
-          </p:spPr>
-          <p:style>
-            <a:lnRef idx="2">
-              <a:schemeClr val="accent1">
-                <a:shade val="50000"/>
-              </a:schemeClr>
-            </a:lnRef>
-            <a:fillRef idx="1">
-              <a:schemeClr val="accent1"/>
-            </a:fillRef>
-            <a:effectRef idx="0">
-              <a:schemeClr val="accent1"/>
-            </a:effectRef>
-            <a:fontRef idx="minor">
-              <a:schemeClr val="lt1"/>
-            </a:fontRef>
-          </p:style>
-          <p:txBody>
-            <a:bodyPr rtlCol="0" anchor="ctr"/>
-            <a:lstStyle/>
-            <a:p>
-              <a:pPr algn="ctr"/>
-              <a:endParaRPr lang="en-US">
-                <a:solidFill>
-                  <a:schemeClr val="accent2"/>
-                </a:solidFill>
-              </a:endParaRPr>
-            </a:p>
-          </p:txBody>
-        </p:sp>
-        <p:cxnSp>
-          <p:nvCxnSpPr>
-            <p:cNvPr id="33" name="Straight Connector 32"/>
-            <p:cNvCxnSpPr/>
-            <p:nvPr/>
-          </p:nvCxnSpPr>
-          <p:spPr>
-            <a:xfrm rot="10800000">
-              <a:off x="7943850" y="6405346"/>
-              <a:ext cx="4248150" cy="0"/>
-            </a:xfrm>
-            <a:prstGeom prst="line">
-              <a:avLst/>
-            </a:prstGeom>
-            <a:ln w="50800">
-              <a:solidFill>
-                <a:schemeClr val="bg1"/>
-              </a:solidFill>
-              <a:tailEnd type="diamond"/>
-            </a:ln>
-          </p:spPr>
-          <p:style>
-            <a:lnRef idx="1">
-              <a:schemeClr val="accent1"/>
-            </a:lnRef>
-            <a:fillRef idx="0">
-              <a:schemeClr val="accent1"/>
-            </a:fillRef>
-            <a:effectRef idx="0">
-              <a:schemeClr val="accent1"/>
-            </a:effectRef>
-            <a:fontRef idx="minor">
-              <a:schemeClr val="tx1"/>
-            </a:fontRef>
-          </p:style>
-        </p:cxnSp>
-      </p:grpSp>
     </p:spTree>
     <p:extLst>
       <p:ext uri="{BB962C8B-B14F-4D97-AF65-F5344CB8AC3E}">
-        <p14:creationId xmlns:p14="http://schemas.microsoft.com/office/powerpoint/2010/main" val="1453806466"/>
+        <p14:creationId xmlns:p14="http://schemas.microsoft.com/office/powerpoint/2010/main" val="306286841"/>
       </p:ext>
     </p:extLst>
   </p:cSld>
@@ -6523,8 +6493,8 @@
         </p:nvSpPr>
         <p:spPr>
           <a:xfrm flipH="1">
-            <a:off x="10332" y="2212673"/>
-            <a:ext cx="12191999" cy="2432654"/>
+            <a:off x="10332" y="2835920"/>
+            <a:ext cx="12191999" cy="1186159"/>
           </a:xfrm>
           <a:prstGeom prst="rect">
             <a:avLst/>
@@ -6555,850 +6525,7 @@
                 </a:solidFill>
                 <a:latin typeface="+mj-lt"/>
               </a:rPr>
-              <a:t>Factor2 Number of Reviews</a:t>
-            </a:r>
-          </a:p>
-          <a:p>
-            <a:pPr algn="ctr">
-              <a:lnSpc>
-                <a:spcPct val="150000"/>
-              </a:lnSpc>
-            </a:pPr>
-            <a:r>
-              <a:rPr lang="en-US" sz="5400" b="1" spc="300" dirty="0">
-                <a:solidFill>
-                  <a:schemeClr val="tx1">
-                    <a:lumMod val="90000"/>
-                    <a:lumOff val="10000"/>
-                  </a:schemeClr>
-                </a:solidFill>
-                <a:latin typeface="+mj-lt"/>
-              </a:rPr>
-              <a:t>For Each Critic</a:t>
-            </a:r>
-          </a:p>
-        </p:txBody>
-      </p:sp>
-      <p:grpSp>
-        <p:nvGrpSpPr>
-          <p:cNvPr id="30" name="Group 29"/>
-          <p:cNvGrpSpPr/>
-          <p:nvPr/>
-        </p:nvGrpSpPr>
-        <p:grpSpPr>
-          <a:xfrm>
-            <a:off x="0" y="0"/>
-            <a:ext cx="6106332" cy="934335"/>
-            <a:chOff x="0" y="0"/>
-            <a:chExt cx="6106332" cy="934335"/>
-          </a:xfrm>
-        </p:grpSpPr>
-        <p:sp>
-          <p:nvSpPr>
-            <p:cNvPr id="16" name="Rectangle 15"/>
-            <p:cNvSpPr/>
-            <p:nvPr/>
-          </p:nvSpPr>
-          <p:spPr>
-            <a:xfrm>
-              <a:off x="0" y="0"/>
-              <a:ext cx="6106332" cy="934335"/>
-            </a:xfrm>
-            <a:custGeom>
-              <a:avLst/>
-              <a:gdLst>
-                <a:gd name="connsiteX0" fmla="*/ 0 w 6106332"/>
-                <a:gd name="connsiteY0" fmla="*/ 0 h 915285"/>
-                <a:gd name="connsiteX1" fmla="*/ 6106332 w 6106332"/>
-                <a:gd name="connsiteY1" fmla="*/ 0 h 915285"/>
-                <a:gd name="connsiteX2" fmla="*/ 6106332 w 6106332"/>
-                <a:gd name="connsiteY2" fmla="*/ 915285 h 915285"/>
-                <a:gd name="connsiteX3" fmla="*/ 0 w 6106332"/>
-                <a:gd name="connsiteY3" fmla="*/ 915285 h 915285"/>
-                <a:gd name="connsiteX4" fmla="*/ 0 w 6106332"/>
-                <a:gd name="connsiteY4" fmla="*/ 0 h 915285"/>
-                <a:gd name="connsiteX0" fmla="*/ 0 w 6106332"/>
-                <a:gd name="connsiteY0" fmla="*/ 0 h 934335"/>
-                <a:gd name="connsiteX1" fmla="*/ 6106332 w 6106332"/>
-                <a:gd name="connsiteY1" fmla="*/ 0 h 934335"/>
-                <a:gd name="connsiteX2" fmla="*/ 5725332 w 6106332"/>
-                <a:gd name="connsiteY2" fmla="*/ 934335 h 934335"/>
-                <a:gd name="connsiteX3" fmla="*/ 0 w 6106332"/>
-                <a:gd name="connsiteY3" fmla="*/ 915285 h 934335"/>
-                <a:gd name="connsiteX4" fmla="*/ 0 w 6106332"/>
-                <a:gd name="connsiteY4" fmla="*/ 0 h 934335"/>
-              </a:gdLst>
-              <a:ahLst/>
-              <a:cxnLst>
-                <a:cxn ang="0">
-                  <a:pos x="connsiteX0" y="connsiteY0"/>
-                </a:cxn>
-                <a:cxn ang="0">
-                  <a:pos x="connsiteX1" y="connsiteY1"/>
-                </a:cxn>
-                <a:cxn ang="0">
-                  <a:pos x="connsiteX2" y="connsiteY2"/>
-                </a:cxn>
-                <a:cxn ang="0">
-                  <a:pos x="connsiteX3" y="connsiteY3"/>
-                </a:cxn>
-                <a:cxn ang="0">
-                  <a:pos x="connsiteX4" y="connsiteY4"/>
-                </a:cxn>
-              </a:cxnLst>
-              <a:rect l="l" t="t" r="r" b="b"/>
-              <a:pathLst>
-                <a:path w="6106332" h="934335">
-                  <a:moveTo>
-                    <a:pt x="0" y="0"/>
-                  </a:moveTo>
-                  <a:lnTo>
-                    <a:pt x="6106332" y="0"/>
-                  </a:lnTo>
-                  <a:lnTo>
-                    <a:pt x="5725332" y="934335"/>
-                  </a:lnTo>
-                  <a:lnTo>
-                    <a:pt x="0" y="915285"/>
-                  </a:lnTo>
-                  <a:lnTo>
-                    <a:pt x="0" y="0"/>
-                  </a:lnTo>
-                  <a:close/>
-                </a:path>
-              </a:pathLst>
-            </a:custGeom>
-            <a:ln>
-              <a:noFill/>
-            </a:ln>
-          </p:spPr>
-          <p:style>
-            <a:lnRef idx="2">
-              <a:schemeClr val="accent1">
-                <a:shade val="50000"/>
-              </a:schemeClr>
-            </a:lnRef>
-            <a:fillRef idx="1">
-              <a:schemeClr val="accent1"/>
-            </a:fillRef>
-            <a:effectRef idx="0">
-              <a:schemeClr val="accent1"/>
-            </a:effectRef>
-            <a:fontRef idx="minor">
-              <a:schemeClr val="lt1"/>
-            </a:fontRef>
-          </p:style>
-          <p:txBody>
-            <a:bodyPr rtlCol="0" anchor="ctr"/>
-            <a:lstStyle/>
-            <a:p>
-              <a:pPr algn="ctr"/>
-              <a:endParaRPr lang="en-US"/>
-            </a:p>
-          </p:txBody>
-        </p:sp>
-        <p:cxnSp>
-          <p:nvCxnSpPr>
-            <p:cNvPr id="27" name="Straight Connector 26"/>
-            <p:cNvCxnSpPr/>
-            <p:nvPr/>
-          </p:nvCxnSpPr>
-          <p:spPr>
-            <a:xfrm>
-              <a:off x="0" y="452653"/>
-              <a:ext cx="4248150" cy="0"/>
-            </a:xfrm>
-            <a:prstGeom prst="line">
-              <a:avLst/>
-            </a:prstGeom>
-            <a:ln w="50800">
-              <a:solidFill>
-                <a:schemeClr val="bg1"/>
-              </a:solidFill>
-              <a:tailEnd type="diamond"/>
-            </a:ln>
-          </p:spPr>
-          <p:style>
-            <a:lnRef idx="1">
-              <a:schemeClr val="accent1"/>
-            </a:lnRef>
-            <a:fillRef idx="0">
-              <a:schemeClr val="accent1"/>
-            </a:fillRef>
-            <a:effectRef idx="0">
-              <a:schemeClr val="accent1"/>
-            </a:effectRef>
-            <a:fontRef idx="minor">
-              <a:schemeClr val="tx1"/>
-            </a:fontRef>
-          </p:style>
-        </p:cxnSp>
-      </p:grpSp>
-      <p:grpSp>
-        <p:nvGrpSpPr>
-          <p:cNvPr id="34" name="Group 33"/>
-          <p:cNvGrpSpPr/>
-          <p:nvPr/>
-        </p:nvGrpSpPr>
-        <p:grpSpPr>
-          <a:xfrm>
-            <a:off x="6085668" y="5923665"/>
-            <a:ext cx="6106332" cy="934335"/>
-            <a:chOff x="6085668" y="5923665"/>
-            <a:chExt cx="6106332" cy="934335"/>
-          </a:xfrm>
-        </p:grpSpPr>
-        <p:sp>
-          <p:nvSpPr>
-            <p:cNvPr id="25" name="Rectangle 15"/>
-            <p:cNvSpPr/>
-            <p:nvPr/>
-          </p:nvSpPr>
-          <p:spPr>
-            <a:xfrm rot="10800000">
-              <a:off x="6085668" y="5923665"/>
-              <a:ext cx="6106332" cy="934335"/>
-            </a:xfrm>
-            <a:custGeom>
-              <a:avLst/>
-              <a:gdLst>
-                <a:gd name="connsiteX0" fmla="*/ 0 w 6106332"/>
-                <a:gd name="connsiteY0" fmla="*/ 0 h 915285"/>
-                <a:gd name="connsiteX1" fmla="*/ 6106332 w 6106332"/>
-                <a:gd name="connsiteY1" fmla="*/ 0 h 915285"/>
-                <a:gd name="connsiteX2" fmla="*/ 6106332 w 6106332"/>
-                <a:gd name="connsiteY2" fmla="*/ 915285 h 915285"/>
-                <a:gd name="connsiteX3" fmla="*/ 0 w 6106332"/>
-                <a:gd name="connsiteY3" fmla="*/ 915285 h 915285"/>
-                <a:gd name="connsiteX4" fmla="*/ 0 w 6106332"/>
-                <a:gd name="connsiteY4" fmla="*/ 0 h 915285"/>
-                <a:gd name="connsiteX0" fmla="*/ 0 w 6106332"/>
-                <a:gd name="connsiteY0" fmla="*/ 0 h 934335"/>
-                <a:gd name="connsiteX1" fmla="*/ 6106332 w 6106332"/>
-                <a:gd name="connsiteY1" fmla="*/ 0 h 934335"/>
-                <a:gd name="connsiteX2" fmla="*/ 5725332 w 6106332"/>
-                <a:gd name="connsiteY2" fmla="*/ 934335 h 934335"/>
-                <a:gd name="connsiteX3" fmla="*/ 0 w 6106332"/>
-                <a:gd name="connsiteY3" fmla="*/ 915285 h 934335"/>
-                <a:gd name="connsiteX4" fmla="*/ 0 w 6106332"/>
-                <a:gd name="connsiteY4" fmla="*/ 0 h 934335"/>
-              </a:gdLst>
-              <a:ahLst/>
-              <a:cxnLst>
-                <a:cxn ang="0">
-                  <a:pos x="connsiteX0" y="connsiteY0"/>
-                </a:cxn>
-                <a:cxn ang="0">
-                  <a:pos x="connsiteX1" y="connsiteY1"/>
-                </a:cxn>
-                <a:cxn ang="0">
-                  <a:pos x="connsiteX2" y="connsiteY2"/>
-                </a:cxn>
-                <a:cxn ang="0">
-                  <a:pos x="connsiteX3" y="connsiteY3"/>
-                </a:cxn>
-                <a:cxn ang="0">
-                  <a:pos x="connsiteX4" y="connsiteY4"/>
-                </a:cxn>
-              </a:cxnLst>
-              <a:rect l="l" t="t" r="r" b="b"/>
-              <a:pathLst>
-                <a:path w="6106332" h="934335">
-                  <a:moveTo>
-                    <a:pt x="0" y="0"/>
-                  </a:moveTo>
-                  <a:lnTo>
-                    <a:pt x="6106332" y="0"/>
-                  </a:lnTo>
-                  <a:lnTo>
-                    <a:pt x="5725332" y="934335"/>
-                  </a:lnTo>
-                  <a:lnTo>
-                    <a:pt x="0" y="915285"/>
-                  </a:lnTo>
-                  <a:lnTo>
-                    <a:pt x="0" y="0"/>
-                  </a:lnTo>
-                  <a:close/>
-                </a:path>
-              </a:pathLst>
-            </a:custGeom>
-            <a:solidFill>
-              <a:schemeClr val="accent2"/>
-            </a:solidFill>
-            <a:ln>
-              <a:noFill/>
-            </a:ln>
-          </p:spPr>
-          <p:style>
-            <a:lnRef idx="2">
-              <a:schemeClr val="accent1">
-                <a:shade val="50000"/>
-              </a:schemeClr>
-            </a:lnRef>
-            <a:fillRef idx="1">
-              <a:schemeClr val="accent1"/>
-            </a:fillRef>
-            <a:effectRef idx="0">
-              <a:schemeClr val="accent1"/>
-            </a:effectRef>
-            <a:fontRef idx="minor">
-              <a:schemeClr val="lt1"/>
-            </a:fontRef>
-          </p:style>
-          <p:txBody>
-            <a:bodyPr rtlCol="0" anchor="ctr"/>
-            <a:lstStyle/>
-            <a:p>
-              <a:pPr algn="ctr"/>
-              <a:endParaRPr lang="en-US">
-                <a:solidFill>
-                  <a:schemeClr val="accent2"/>
-                </a:solidFill>
-              </a:endParaRPr>
-            </a:p>
-          </p:txBody>
-        </p:sp>
-        <p:cxnSp>
-          <p:nvCxnSpPr>
-            <p:cNvPr id="33" name="Straight Connector 32"/>
-            <p:cNvCxnSpPr/>
-            <p:nvPr/>
-          </p:nvCxnSpPr>
-          <p:spPr>
-            <a:xfrm rot="10800000">
-              <a:off x="7943850" y="6405346"/>
-              <a:ext cx="4248150" cy="0"/>
-            </a:xfrm>
-            <a:prstGeom prst="line">
-              <a:avLst/>
-            </a:prstGeom>
-            <a:ln w="50800">
-              <a:solidFill>
-                <a:schemeClr val="bg1"/>
-              </a:solidFill>
-              <a:tailEnd type="diamond"/>
-            </a:ln>
-          </p:spPr>
-          <p:style>
-            <a:lnRef idx="1">
-              <a:schemeClr val="accent1"/>
-            </a:lnRef>
-            <a:fillRef idx="0">
-              <a:schemeClr val="accent1"/>
-            </a:fillRef>
-            <a:effectRef idx="0">
-              <a:schemeClr val="accent1"/>
-            </a:effectRef>
-            <a:fontRef idx="minor">
-              <a:schemeClr val="tx1"/>
-            </a:fontRef>
-          </p:style>
-        </p:cxnSp>
-      </p:grpSp>
-    </p:spTree>
-    <p:extLst>
-      <p:ext uri="{BB962C8B-B14F-4D97-AF65-F5344CB8AC3E}">
-        <p14:creationId xmlns:p14="http://schemas.microsoft.com/office/powerpoint/2010/main" val="393809737"/>
-      </p:ext>
-    </p:extLst>
-  </p:cSld>
-  <p:clrMapOvr>
-    <a:masterClrMapping/>
-  </p:clrMapOvr>
-</p:sld>
-</file>
-
-<file path=ppt/slides/slide13.xml><?xml version="1.0" encoding="utf-8"?>
-<p:sld xmlns:a="http://schemas.openxmlformats.org/drawingml/2006/main" xmlns:r="http://schemas.openxmlformats.org/officeDocument/2006/relationships" xmlns:p="http://schemas.openxmlformats.org/presentationml/2006/main">
-  <p:cSld>
-    <p:bg>
-      <p:bgPr>
-        <a:solidFill>
-          <a:schemeClr val="bg1"/>
-        </a:solidFill>
-        <a:effectLst/>
-      </p:bgPr>
-    </p:bg>
-    <p:spTree>
-      <p:nvGrpSpPr>
-        <p:cNvPr id="1" name=""/>
-        <p:cNvGrpSpPr/>
-        <p:nvPr/>
-      </p:nvGrpSpPr>
-      <p:grpSpPr>
-        <a:xfrm>
-          <a:off x="0" y="0"/>
-          <a:ext cx="0" cy="0"/>
-          <a:chOff x="0" y="0"/>
-          <a:chExt cx="0" cy="0"/>
-        </a:xfrm>
-      </p:grpSpPr>
-      <p:pic>
-        <p:nvPicPr>
-          <p:cNvPr id="34" name="图片 33">
-            <a:extLst>
-              <a:ext uri="{FF2B5EF4-FFF2-40B4-BE49-F238E27FC236}">
-                <a16:creationId xmlns:a16="http://schemas.microsoft.com/office/drawing/2014/main" id="{8EAF7F47-95CC-41FA-9A3E-780686DFC9D5}"/>
-              </a:ext>
-            </a:extLst>
-          </p:cNvPr>
-          <p:cNvPicPr>
-            <a:picLocks noChangeAspect="1"/>
-          </p:cNvPicPr>
-          <p:nvPr/>
-        </p:nvPicPr>
-        <p:blipFill>
-          <a:blip r:embed="rId2">
-            <a:extLst>
-              <a:ext uri="{28A0092B-C50C-407E-A947-70E740481C1C}">
-                <a14:useLocalDpi xmlns:a14="http://schemas.microsoft.com/office/drawing/2010/main" val="0"/>
-              </a:ext>
-            </a:extLst>
-          </a:blip>
-          <a:stretch/>
-        </p:blipFill>
-        <p:spPr>
-          <a:xfrm>
-            <a:off x="607244" y="2238173"/>
-            <a:ext cx="3887075" cy="2627741"/>
-          </a:xfrm>
-          <a:prstGeom prst="rect">
-            <a:avLst/>
-          </a:prstGeom>
-        </p:spPr>
-      </p:pic>
-      <p:cxnSp>
-        <p:nvCxnSpPr>
-          <p:cNvPr id="39" name="Straight Connector 38">
-            <a:extLst>
-              <a:ext uri="{FF2B5EF4-FFF2-40B4-BE49-F238E27FC236}">
-                <a16:creationId xmlns:a16="http://schemas.microsoft.com/office/drawing/2014/main" id="{1C6AAE25-BD23-41B5-AAE4-1DA5898C2ADB}"/>
-              </a:ext>
-              <a:ext uri="{C183D7F6-B498-43B3-948B-1728B52AA6E4}">
-                <adec:decorative xmlns:adec="http://schemas.microsoft.com/office/drawing/2017/decorative" val="1"/>
-              </a:ext>
-            </a:extLst>
-          </p:cNvPr>
-          <p:cNvCxnSpPr>
-            <a:cxnSpLocks noGrp="1" noRot="1" noChangeAspect="1" noMove="1" noResize="1" noEditPoints="1" noAdjustHandles="1" noChangeArrowheads="1" noChangeShapeType="1"/>
-          </p:cNvCxnSpPr>
-          <p:nvPr>
-            <p:extLst>
-              <p:ext uri="{386F3935-93C4-4BCD-93E2-E3B085C9AB24}">
-                <p16:designElem xmlns:p16="http://schemas.microsoft.com/office/powerpoint/2015/main" val="1"/>
-              </p:ext>
-            </p:extLst>
-          </p:nvPr>
-        </p:nvCxnSpPr>
-        <p:spPr>
-          <a:xfrm>
-            <a:off x="4654296" y="1573887"/>
-            <a:ext cx="0" cy="3710227"/>
-          </a:xfrm>
-          <a:prstGeom prst="line">
-            <a:avLst/>
-          </a:prstGeom>
-          <a:ln w="19050">
-            <a:solidFill>
-              <a:srgbClr val="E45B47"/>
-            </a:solidFill>
-          </a:ln>
-        </p:spPr>
-        <p:style>
-          <a:lnRef idx="1">
-            <a:schemeClr val="accent1"/>
-          </a:lnRef>
-          <a:fillRef idx="0">
-            <a:schemeClr val="accent1"/>
-          </a:fillRef>
-          <a:effectRef idx="0">
-            <a:schemeClr val="accent1"/>
-          </a:effectRef>
-          <a:fontRef idx="minor">
-            <a:schemeClr val="tx1"/>
-          </a:fontRef>
-        </p:style>
-      </p:cxnSp>
-      <p:pic>
-        <p:nvPicPr>
-          <p:cNvPr id="32" name="图片 31">
-            <a:extLst>
-              <a:ext uri="{FF2B5EF4-FFF2-40B4-BE49-F238E27FC236}">
-                <a16:creationId xmlns:a16="http://schemas.microsoft.com/office/drawing/2014/main" id="{8FCC2D13-B6FC-4E7F-A58A-5A8051D34877}"/>
-              </a:ext>
-            </a:extLst>
-          </p:cNvPr>
-          <p:cNvPicPr>
-            <a:picLocks noChangeAspect="1"/>
-          </p:cNvPicPr>
-          <p:nvPr/>
-        </p:nvPicPr>
-        <p:blipFill>
-          <a:blip r:embed="rId3">
-            <a:extLst>
-              <a:ext uri="{28A0092B-C50C-407E-A947-70E740481C1C}">
-                <a14:useLocalDpi xmlns:a14="http://schemas.microsoft.com/office/drawing/2010/main" val="0"/>
-              </a:ext>
-            </a:extLst>
-          </a:blip>
-          <a:stretch/>
-        </p:blipFill>
-        <p:spPr>
-          <a:xfrm>
-            <a:off x="4886676" y="1622886"/>
-            <a:ext cx="7152924" cy="3612227"/>
-          </a:xfrm>
-          <a:prstGeom prst="rect">
-            <a:avLst/>
-          </a:prstGeom>
-        </p:spPr>
-      </p:pic>
-      <p:sp>
-        <p:nvSpPr>
-          <p:cNvPr id="2" name="矩形 1">
-            <a:extLst>
-              <a:ext uri="{FF2B5EF4-FFF2-40B4-BE49-F238E27FC236}">
-                <a16:creationId xmlns:a16="http://schemas.microsoft.com/office/drawing/2014/main" id="{15E70DC5-BB3A-4E37-908D-09594F5F1AAE}"/>
-              </a:ext>
-            </a:extLst>
-          </p:cNvPr>
-          <p:cNvSpPr/>
-          <p:nvPr/>
-        </p:nvSpPr>
-        <p:spPr>
-          <a:xfrm>
-            <a:off x="5179180" y="1785586"/>
-            <a:ext cx="2269370" cy="1643413"/>
-          </a:xfrm>
-          <a:prstGeom prst="rect">
-            <a:avLst/>
-          </a:prstGeom>
-          <a:noFill/>
-          <a:ln w="38100">
-            <a:solidFill>
-              <a:schemeClr val="accent1">
-                <a:lumMod val="75000"/>
-              </a:schemeClr>
-            </a:solidFill>
-          </a:ln>
-        </p:spPr>
-        <p:style>
-          <a:lnRef idx="2">
-            <a:schemeClr val="accent1">
-              <a:shade val="50000"/>
-            </a:schemeClr>
-          </a:lnRef>
-          <a:fillRef idx="1">
-            <a:schemeClr val="accent1"/>
-          </a:fillRef>
-          <a:effectRef idx="0">
-            <a:schemeClr val="accent1"/>
-          </a:effectRef>
-          <a:fontRef idx="minor">
-            <a:schemeClr val="lt1"/>
-          </a:fontRef>
-        </p:style>
-        <p:txBody>
-          <a:bodyPr rtlCol="0" anchor="ctr"/>
-          <a:lstStyle/>
-          <a:p>
-            <a:pPr algn="ctr"/>
-            <a:endParaRPr lang="en-US"/>
-          </a:p>
-        </p:txBody>
-      </p:sp>
-      <p:grpSp>
-        <p:nvGrpSpPr>
-          <p:cNvPr id="10" name="Group 55">
-            <a:extLst>
-              <a:ext uri="{FF2B5EF4-FFF2-40B4-BE49-F238E27FC236}">
-                <a16:creationId xmlns:a16="http://schemas.microsoft.com/office/drawing/2014/main" id="{B53ED8B2-F19B-4805-A04E-BA24525C0F5B}"/>
-              </a:ext>
-            </a:extLst>
-          </p:cNvPr>
-          <p:cNvGrpSpPr/>
-          <p:nvPr/>
-        </p:nvGrpSpPr>
-        <p:grpSpPr>
-          <a:xfrm>
-            <a:off x="380378" y="670950"/>
-            <a:ext cx="449356" cy="449356"/>
-            <a:chOff x="209550" y="171450"/>
-            <a:chExt cx="641350" cy="641350"/>
-          </a:xfrm>
-        </p:grpSpPr>
-        <p:sp>
-          <p:nvSpPr>
-            <p:cNvPr id="11" name="Rectangle 56">
-              <a:extLst>
-                <a:ext uri="{FF2B5EF4-FFF2-40B4-BE49-F238E27FC236}">
-                  <a16:creationId xmlns:a16="http://schemas.microsoft.com/office/drawing/2014/main" id="{418D2B2D-C722-4544-BC5F-A2F1530ED2EC}"/>
-                </a:ext>
-              </a:extLst>
-            </p:cNvPr>
-            <p:cNvSpPr/>
-            <p:nvPr/>
-          </p:nvSpPr>
-          <p:spPr>
-            <a:xfrm>
-              <a:off x="209550" y="171450"/>
-              <a:ext cx="641350" cy="641350"/>
-            </a:xfrm>
-            <a:prstGeom prst="rect">
-              <a:avLst/>
-            </a:prstGeom>
-            <a:ln>
-              <a:noFill/>
-            </a:ln>
-          </p:spPr>
-          <p:style>
-            <a:lnRef idx="2">
-              <a:schemeClr val="accent1">
-                <a:shade val="50000"/>
-              </a:schemeClr>
-            </a:lnRef>
-            <a:fillRef idx="1">
-              <a:schemeClr val="accent1"/>
-            </a:fillRef>
-            <a:effectRef idx="0">
-              <a:schemeClr val="accent1"/>
-            </a:effectRef>
-            <a:fontRef idx="minor">
-              <a:schemeClr val="lt1"/>
-            </a:fontRef>
-          </p:style>
-          <p:txBody>
-            <a:bodyPr rtlCol="0" anchor="ctr"/>
-            <a:lstStyle/>
-            <a:p>
-              <a:pPr algn="ctr"/>
-              <a:endParaRPr lang="en-US" dirty="0"/>
-            </a:p>
-          </p:txBody>
-        </p:sp>
-        <p:cxnSp>
-          <p:nvCxnSpPr>
-            <p:cNvPr id="12" name="Straight Connector 57">
-              <a:extLst>
-                <a:ext uri="{FF2B5EF4-FFF2-40B4-BE49-F238E27FC236}">
-                  <a16:creationId xmlns:a16="http://schemas.microsoft.com/office/drawing/2014/main" id="{ABBDAA68-5C0C-4C2D-A704-6E81FDD4F4E3}"/>
-                </a:ext>
-              </a:extLst>
-            </p:cNvPr>
-            <p:cNvCxnSpPr/>
-            <p:nvPr/>
-          </p:nvCxnSpPr>
-          <p:spPr>
-            <a:xfrm>
-              <a:off x="526863" y="171450"/>
-              <a:ext cx="0" cy="320675"/>
-            </a:xfrm>
-            <a:prstGeom prst="line">
-              <a:avLst/>
-            </a:prstGeom>
-            <a:ln w="50800">
-              <a:solidFill>
-                <a:schemeClr val="bg1"/>
-              </a:solidFill>
-              <a:tailEnd type="diamond"/>
-            </a:ln>
-          </p:spPr>
-          <p:style>
-            <a:lnRef idx="1">
-              <a:schemeClr val="accent1"/>
-            </a:lnRef>
-            <a:fillRef idx="0">
-              <a:schemeClr val="accent1"/>
-            </a:fillRef>
-            <a:effectRef idx="0">
-              <a:schemeClr val="accent1"/>
-            </a:effectRef>
-            <a:fontRef idx="minor">
-              <a:schemeClr val="tx1"/>
-            </a:fontRef>
-          </p:style>
-        </p:cxnSp>
-      </p:grpSp>
-      <p:sp>
-        <p:nvSpPr>
-          <p:cNvPr id="14" name="TextBox 5">
-            <a:extLst>
-              <a:ext uri="{FF2B5EF4-FFF2-40B4-BE49-F238E27FC236}">
-                <a16:creationId xmlns:a16="http://schemas.microsoft.com/office/drawing/2014/main" id="{D538816E-807D-4B5E-A621-4D1FE075EF5E}"/>
-              </a:ext>
-            </a:extLst>
-          </p:cNvPr>
-          <p:cNvSpPr txBox="1"/>
-          <p:nvPr/>
-        </p:nvSpPr>
-        <p:spPr>
-          <a:xfrm>
-            <a:off x="1080655" y="409103"/>
-            <a:ext cx="10281611" cy="821572"/>
-          </a:xfrm>
-          <a:prstGeom prst="rect">
-            <a:avLst/>
-          </a:prstGeom>
-          <a:noFill/>
-        </p:spPr>
-        <p:txBody>
-          <a:bodyPr wrap="square" rtlCol="0">
-            <a:spAutoFit/>
-          </a:bodyPr>
-          <a:lstStyle/>
-          <a:p>
-            <a:pPr algn="ctr">
-              <a:lnSpc>
-                <a:spcPct val="150000"/>
-              </a:lnSpc>
-            </a:pPr>
-            <a:r>
-              <a:rPr lang="en-US" sz="3600" spc="300" dirty="0">
-                <a:solidFill>
-                  <a:schemeClr val="tx1">
-                    <a:lumMod val="90000"/>
-                    <a:lumOff val="10000"/>
-                  </a:schemeClr>
-                </a:solidFill>
-                <a:latin typeface="+mj-lt"/>
-              </a:rPr>
-              <a:t>Average Score VS Number of Reviews </a:t>
-            </a:r>
-          </a:p>
-        </p:txBody>
-      </p:sp>
-    </p:spTree>
-    <p:extLst>
-      <p:ext uri="{BB962C8B-B14F-4D97-AF65-F5344CB8AC3E}">
-        <p14:creationId xmlns:p14="http://schemas.microsoft.com/office/powerpoint/2010/main" val="3366610337"/>
-      </p:ext>
-    </p:extLst>
-  </p:cSld>
-  <p:clrMapOvr>
-    <a:masterClrMapping/>
-  </p:clrMapOvr>
-</p:sld>
-</file>
-
-<file path=ppt/slides/slide14.xml><?xml version="1.0" encoding="utf-8"?>
-<p:sld xmlns:a="http://schemas.openxmlformats.org/drawingml/2006/main" xmlns:r="http://schemas.openxmlformats.org/officeDocument/2006/relationships" xmlns:p="http://schemas.openxmlformats.org/presentationml/2006/main">
-  <p:cSld>
-    <p:spTree>
-      <p:nvGrpSpPr>
-        <p:cNvPr id="1" name=""/>
-        <p:cNvGrpSpPr/>
-        <p:nvPr/>
-      </p:nvGrpSpPr>
-      <p:grpSpPr>
-        <a:xfrm>
-          <a:off x="0" y="0"/>
-          <a:ext cx="0" cy="0"/>
-          <a:chOff x="0" y="0"/>
-          <a:chExt cx="0" cy="0"/>
-        </a:xfrm>
-      </p:grpSpPr>
-      <p:sp>
-        <p:nvSpPr>
-          <p:cNvPr id="2" name="Picture Placeholder 1"/>
-          <p:cNvSpPr>
-            <a:spLocks noGrp="1"/>
-          </p:cNvSpPr>
-          <p:nvPr>
-            <p:ph type="pic" sz="quarter" idx="10"/>
-          </p:nvPr>
-        </p:nvSpPr>
-        <p:spPr/>
-      </p:sp>
-      <p:sp>
-        <p:nvSpPr>
-          <p:cNvPr id="5" name="Rectangle 4"/>
-          <p:cNvSpPr/>
-          <p:nvPr/>
-        </p:nvSpPr>
-        <p:spPr>
-          <a:xfrm>
-            <a:off x="0" y="0"/>
-            <a:ext cx="12192000" cy="6858000"/>
-          </a:xfrm>
-          <a:prstGeom prst="rect">
-            <a:avLst/>
-          </a:prstGeom>
-          <a:solidFill>
-            <a:schemeClr val="bg1">
-              <a:alpha val="70000"/>
-            </a:schemeClr>
-          </a:solidFill>
-          <a:ln>
-            <a:noFill/>
-          </a:ln>
-        </p:spPr>
-        <p:style>
-          <a:lnRef idx="2">
-            <a:schemeClr val="accent1">
-              <a:shade val="50000"/>
-            </a:schemeClr>
-          </a:lnRef>
-          <a:fillRef idx="1">
-            <a:schemeClr val="accent1"/>
-          </a:fillRef>
-          <a:effectRef idx="0">
-            <a:schemeClr val="accent1"/>
-          </a:effectRef>
-          <a:fontRef idx="minor">
-            <a:schemeClr val="lt1"/>
-          </a:fontRef>
-        </p:style>
-        <p:txBody>
-          <a:bodyPr rtlCol="0" anchor="ctr"/>
-          <a:lstStyle/>
-          <a:p>
-            <a:pPr algn="ctr"/>
-            <a:endParaRPr lang="en-US"/>
-          </a:p>
-        </p:txBody>
-      </p:sp>
-      <p:sp>
-        <p:nvSpPr>
-          <p:cNvPr id="6" name="TextBox 5"/>
-          <p:cNvSpPr txBox="1"/>
-          <p:nvPr/>
-        </p:nvSpPr>
-        <p:spPr>
-          <a:xfrm flipH="1">
-            <a:off x="10332" y="2835920"/>
-            <a:ext cx="12191999" cy="1186159"/>
-          </a:xfrm>
-          <a:prstGeom prst="rect">
-            <a:avLst/>
-          </a:prstGeom>
-          <a:noFill/>
-          <a:ln>
-            <a:noFill/>
-          </a:ln>
-        </p:spPr>
-        <p:txBody>
-          <a:bodyPr wrap="square" rtlCol="0">
-            <a:spAutoFit/>
-          </a:bodyPr>
-          <a:lstStyle/>
-          <a:p>
-            <a:pPr algn="ctr">
-              <a:lnSpc>
-                <a:spcPct val="150000"/>
-              </a:lnSpc>
-            </a:pPr>
-            <a:r>
-              <a:rPr lang="en-US" sz="5400" b="1" spc="300" dirty="0">
-                <a:solidFill>
-                  <a:schemeClr val="tx1">
-                    <a:lumMod val="90000"/>
-                    <a:lumOff val="10000"/>
-                  </a:schemeClr>
-                </a:solidFill>
-                <a:latin typeface="+mj-lt"/>
-              </a:rPr>
-              <a:t>Factor3 Review Published Date</a:t>
+              <a:t>Review Date</a:t>
             </a:r>
           </a:p>
         </p:txBody>
@@ -7733,7 +6860,7 @@
 </p:sld>
 </file>
 
-<file path=ppt/slides/slide15.xml><?xml version="1.0" encoding="utf-8"?>
+<file path=ppt/slides/slide13.xml><?xml version="1.0" encoding="utf-8"?>
 <p:sld xmlns:a="http://schemas.openxmlformats.org/drawingml/2006/main" xmlns:r="http://schemas.openxmlformats.org/officeDocument/2006/relationships" xmlns:p="http://schemas.openxmlformats.org/presentationml/2006/main">
   <p:cSld>
     <p:spTree>
@@ -7973,7 +7100,7 @@
 </p:sld>
 </file>
 
-<file path=ppt/slides/slide16.xml><?xml version="1.0" encoding="utf-8"?>
+<file path=ppt/slides/slide14.xml><?xml version="1.0" encoding="utf-8"?>
 <p:sld xmlns:a="http://schemas.openxmlformats.org/drawingml/2006/main" xmlns:r="http://schemas.openxmlformats.org/officeDocument/2006/relationships" xmlns:p="http://schemas.openxmlformats.org/presentationml/2006/main">
   <p:cSld>
     <p:bg>
@@ -8881,7 +8008,7 @@
 </p:sld>
 </file>
 
-<file path=ppt/slides/slide17.xml><?xml version="1.0" encoding="utf-8"?>
+<file path=ppt/slides/slide15.xml><?xml version="1.0" encoding="utf-8"?>
 <p:sld xmlns:a="http://schemas.openxmlformats.org/drawingml/2006/main" xmlns:r="http://schemas.openxmlformats.org/officeDocument/2006/relationships" xmlns:p="http://schemas.openxmlformats.org/presentationml/2006/main">
   <p:cSld>
     <p:spTree>
@@ -9781,7 +8908,7 @@
 </p:sld>
 </file>
 
-<file path=ppt/slides/slide18.xml><?xml version="1.0" encoding="utf-8"?>
+<file path=ppt/slides/slide16.xml><?xml version="1.0" encoding="utf-8"?>
 <p:sld xmlns:a="http://schemas.openxmlformats.org/drawingml/2006/main" xmlns:r="http://schemas.openxmlformats.org/officeDocument/2006/relationships" xmlns:p="http://schemas.openxmlformats.org/presentationml/2006/main">
   <p:cSld>
     <p:spTree>
@@ -10520,7 +9647,459 @@
 </p:sld>
 </file>
 
-<file path=ppt/slides/slide19.xml><?xml version="1.0" encoding="utf-8"?>
+<file path=ppt/slides/slide17.xml><?xml version="1.0" encoding="utf-8"?>
+<p:sld xmlns:a="http://schemas.openxmlformats.org/drawingml/2006/main" xmlns:r="http://schemas.openxmlformats.org/officeDocument/2006/relationships" xmlns:p="http://schemas.openxmlformats.org/presentationml/2006/main">
+  <p:cSld>
+    <p:spTree>
+      <p:nvGrpSpPr>
+        <p:cNvPr id="1" name=""/>
+        <p:cNvGrpSpPr/>
+        <p:nvPr/>
+      </p:nvGrpSpPr>
+      <p:grpSpPr>
+        <a:xfrm>
+          <a:off x="0" y="0"/>
+          <a:ext cx="0" cy="0"/>
+          <a:chOff x="0" y="0"/>
+          <a:chExt cx="0" cy="0"/>
+        </a:xfrm>
+      </p:grpSpPr>
+      <p:sp>
+        <p:nvSpPr>
+          <p:cNvPr id="2" name="Picture Placeholder 1"/>
+          <p:cNvSpPr>
+            <a:spLocks noGrp="1"/>
+          </p:cNvSpPr>
+          <p:nvPr>
+            <p:ph type="pic" sz="quarter" idx="10"/>
+          </p:nvPr>
+        </p:nvSpPr>
+        <p:spPr/>
+      </p:sp>
+      <p:sp>
+        <p:nvSpPr>
+          <p:cNvPr id="5" name="Rectangle 4"/>
+          <p:cNvSpPr/>
+          <p:nvPr/>
+        </p:nvSpPr>
+        <p:spPr>
+          <a:xfrm>
+            <a:off x="0" y="0"/>
+            <a:ext cx="12192000" cy="6858000"/>
+          </a:xfrm>
+          <a:prstGeom prst="rect">
+            <a:avLst/>
+          </a:prstGeom>
+          <a:solidFill>
+            <a:schemeClr val="bg1">
+              <a:alpha val="70000"/>
+            </a:schemeClr>
+          </a:solidFill>
+          <a:ln>
+            <a:noFill/>
+          </a:ln>
+        </p:spPr>
+        <p:style>
+          <a:lnRef idx="2">
+            <a:schemeClr val="accent1">
+              <a:shade val="50000"/>
+            </a:schemeClr>
+          </a:lnRef>
+          <a:fillRef idx="1">
+            <a:schemeClr val="accent1"/>
+          </a:fillRef>
+          <a:effectRef idx="0">
+            <a:schemeClr val="accent1"/>
+          </a:effectRef>
+          <a:fontRef idx="minor">
+            <a:schemeClr val="lt1"/>
+          </a:fontRef>
+        </p:style>
+        <p:txBody>
+          <a:bodyPr rtlCol="0" anchor="ctr"/>
+          <a:lstStyle/>
+          <a:p>
+            <a:pPr algn="ctr"/>
+            <a:endParaRPr lang="en-US"/>
+          </a:p>
+        </p:txBody>
+      </p:sp>
+      <p:sp>
+        <p:nvSpPr>
+          <p:cNvPr id="6" name="TextBox 5"/>
+          <p:cNvSpPr txBox="1"/>
+          <p:nvPr/>
+        </p:nvSpPr>
+        <p:spPr>
+          <a:xfrm flipH="1">
+            <a:off x="10332" y="2835920"/>
+            <a:ext cx="12191999" cy="1186159"/>
+          </a:xfrm>
+          <a:prstGeom prst="rect">
+            <a:avLst/>
+          </a:prstGeom>
+          <a:noFill/>
+          <a:ln>
+            <a:noFill/>
+          </a:ln>
+        </p:spPr>
+        <p:txBody>
+          <a:bodyPr wrap="square" rtlCol="0">
+            <a:spAutoFit/>
+          </a:bodyPr>
+          <a:lstStyle/>
+          <a:p>
+            <a:pPr algn="ctr">
+              <a:lnSpc>
+                <a:spcPct val="150000"/>
+              </a:lnSpc>
+            </a:pPr>
+            <a:r>
+              <a:rPr lang="en-US" sz="5400" b="1" spc="300" dirty="0">
+                <a:solidFill>
+                  <a:schemeClr val="tx1">
+                    <a:lumMod val="90000"/>
+                    <a:lumOff val="10000"/>
+                  </a:schemeClr>
+                </a:solidFill>
+                <a:latin typeface="+mj-lt"/>
+              </a:rPr>
+              <a:t>Conclusion</a:t>
+            </a:r>
+          </a:p>
+        </p:txBody>
+      </p:sp>
+      <p:grpSp>
+        <p:nvGrpSpPr>
+          <p:cNvPr id="30" name="Group 29"/>
+          <p:cNvGrpSpPr/>
+          <p:nvPr/>
+        </p:nvGrpSpPr>
+        <p:grpSpPr>
+          <a:xfrm>
+            <a:off x="0" y="0"/>
+            <a:ext cx="6106332" cy="934335"/>
+            <a:chOff x="0" y="0"/>
+            <a:chExt cx="6106332" cy="934335"/>
+          </a:xfrm>
+        </p:grpSpPr>
+        <p:sp>
+          <p:nvSpPr>
+            <p:cNvPr id="16" name="Rectangle 15"/>
+            <p:cNvSpPr/>
+            <p:nvPr/>
+          </p:nvSpPr>
+          <p:spPr>
+            <a:xfrm>
+              <a:off x="0" y="0"/>
+              <a:ext cx="6106332" cy="934335"/>
+            </a:xfrm>
+            <a:custGeom>
+              <a:avLst/>
+              <a:gdLst>
+                <a:gd name="connsiteX0" fmla="*/ 0 w 6106332"/>
+                <a:gd name="connsiteY0" fmla="*/ 0 h 915285"/>
+                <a:gd name="connsiteX1" fmla="*/ 6106332 w 6106332"/>
+                <a:gd name="connsiteY1" fmla="*/ 0 h 915285"/>
+                <a:gd name="connsiteX2" fmla="*/ 6106332 w 6106332"/>
+                <a:gd name="connsiteY2" fmla="*/ 915285 h 915285"/>
+                <a:gd name="connsiteX3" fmla="*/ 0 w 6106332"/>
+                <a:gd name="connsiteY3" fmla="*/ 915285 h 915285"/>
+                <a:gd name="connsiteX4" fmla="*/ 0 w 6106332"/>
+                <a:gd name="connsiteY4" fmla="*/ 0 h 915285"/>
+                <a:gd name="connsiteX0" fmla="*/ 0 w 6106332"/>
+                <a:gd name="connsiteY0" fmla="*/ 0 h 934335"/>
+                <a:gd name="connsiteX1" fmla="*/ 6106332 w 6106332"/>
+                <a:gd name="connsiteY1" fmla="*/ 0 h 934335"/>
+                <a:gd name="connsiteX2" fmla="*/ 5725332 w 6106332"/>
+                <a:gd name="connsiteY2" fmla="*/ 934335 h 934335"/>
+                <a:gd name="connsiteX3" fmla="*/ 0 w 6106332"/>
+                <a:gd name="connsiteY3" fmla="*/ 915285 h 934335"/>
+                <a:gd name="connsiteX4" fmla="*/ 0 w 6106332"/>
+                <a:gd name="connsiteY4" fmla="*/ 0 h 934335"/>
+              </a:gdLst>
+              <a:ahLst/>
+              <a:cxnLst>
+                <a:cxn ang="0">
+                  <a:pos x="connsiteX0" y="connsiteY0"/>
+                </a:cxn>
+                <a:cxn ang="0">
+                  <a:pos x="connsiteX1" y="connsiteY1"/>
+                </a:cxn>
+                <a:cxn ang="0">
+                  <a:pos x="connsiteX2" y="connsiteY2"/>
+                </a:cxn>
+                <a:cxn ang="0">
+                  <a:pos x="connsiteX3" y="connsiteY3"/>
+                </a:cxn>
+                <a:cxn ang="0">
+                  <a:pos x="connsiteX4" y="connsiteY4"/>
+                </a:cxn>
+              </a:cxnLst>
+              <a:rect l="l" t="t" r="r" b="b"/>
+              <a:pathLst>
+                <a:path w="6106332" h="934335">
+                  <a:moveTo>
+                    <a:pt x="0" y="0"/>
+                  </a:moveTo>
+                  <a:lnTo>
+                    <a:pt x="6106332" y="0"/>
+                  </a:lnTo>
+                  <a:lnTo>
+                    <a:pt x="5725332" y="934335"/>
+                  </a:lnTo>
+                  <a:lnTo>
+                    <a:pt x="0" y="915285"/>
+                  </a:lnTo>
+                  <a:lnTo>
+                    <a:pt x="0" y="0"/>
+                  </a:lnTo>
+                  <a:close/>
+                </a:path>
+              </a:pathLst>
+            </a:custGeom>
+            <a:ln>
+              <a:noFill/>
+            </a:ln>
+          </p:spPr>
+          <p:style>
+            <a:lnRef idx="2">
+              <a:schemeClr val="accent1">
+                <a:shade val="50000"/>
+              </a:schemeClr>
+            </a:lnRef>
+            <a:fillRef idx="1">
+              <a:schemeClr val="accent1"/>
+            </a:fillRef>
+            <a:effectRef idx="0">
+              <a:schemeClr val="accent1"/>
+            </a:effectRef>
+            <a:fontRef idx="minor">
+              <a:schemeClr val="lt1"/>
+            </a:fontRef>
+          </p:style>
+          <p:txBody>
+            <a:bodyPr rtlCol="0" anchor="ctr"/>
+            <a:lstStyle/>
+            <a:p>
+              <a:pPr algn="ctr"/>
+              <a:endParaRPr lang="en-US"/>
+            </a:p>
+          </p:txBody>
+        </p:sp>
+        <p:cxnSp>
+          <p:nvCxnSpPr>
+            <p:cNvPr id="27" name="Straight Connector 26"/>
+            <p:cNvCxnSpPr/>
+            <p:nvPr/>
+          </p:nvCxnSpPr>
+          <p:spPr>
+            <a:xfrm>
+              <a:off x="0" y="452653"/>
+              <a:ext cx="4248150" cy="0"/>
+            </a:xfrm>
+            <a:prstGeom prst="line">
+              <a:avLst/>
+            </a:prstGeom>
+            <a:ln w="50800">
+              <a:solidFill>
+                <a:schemeClr val="bg1"/>
+              </a:solidFill>
+              <a:tailEnd type="diamond"/>
+            </a:ln>
+          </p:spPr>
+          <p:style>
+            <a:lnRef idx="1">
+              <a:schemeClr val="accent1"/>
+            </a:lnRef>
+            <a:fillRef idx="0">
+              <a:schemeClr val="accent1"/>
+            </a:fillRef>
+            <a:effectRef idx="0">
+              <a:schemeClr val="accent1"/>
+            </a:effectRef>
+            <a:fontRef idx="minor">
+              <a:schemeClr val="tx1"/>
+            </a:fontRef>
+          </p:style>
+        </p:cxnSp>
+      </p:grpSp>
+      <p:grpSp>
+        <p:nvGrpSpPr>
+          <p:cNvPr id="34" name="Group 33"/>
+          <p:cNvGrpSpPr/>
+          <p:nvPr/>
+        </p:nvGrpSpPr>
+        <p:grpSpPr>
+          <a:xfrm>
+            <a:off x="6085668" y="5923665"/>
+            <a:ext cx="6106332" cy="934335"/>
+            <a:chOff x="6085668" y="5923665"/>
+            <a:chExt cx="6106332" cy="934335"/>
+          </a:xfrm>
+        </p:grpSpPr>
+        <p:sp>
+          <p:nvSpPr>
+            <p:cNvPr id="25" name="Rectangle 15"/>
+            <p:cNvSpPr/>
+            <p:nvPr/>
+          </p:nvSpPr>
+          <p:spPr>
+            <a:xfrm rot="10800000">
+              <a:off x="6085668" y="5923665"/>
+              <a:ext cx="6106332" cy="934335"/>
+            </a:xfrm>
+            <a:custGeom>
+              <a:avLst/>
+              <a:gdLst>
+                <a:gd name="connsiteX0" fmla="*/ 0 w 6106332"/>
+                <a:gd name="connsiteY0" fmla="*/ 0 h 915285"/>
+                <a:gd name="connsiteX1" fmla="*/ 6106332 w 6106332"/>
+                <a:gd name="connsiteY1" fmla="*/ 0 h 915285"/>
+                <a:gd name="connsiteX2" fmla="*/ 6106332 w 6106332"/>
+                <a:gd name="connsiteY2" fmla="*/ 915285 h 915285"/>
+                <a:gd name="connsiteX3" fmla="*/ 0 w 6106332"/>
+                <a:gd name="connsiteY3" fmla="*/ 915285 h 915285"/>
+                <a:gd name="connsiteX4" fmla="*/ 0 w 6106332"/>
+                <a:gd name="connsiteY4" fmla="*/ 0 h 915285"/>
+                <a:gd name="connsiteX0" fmla="*/ 0 w 6106332"/>
+                <a:gd name="connsiteY0" fmla="*/ 0 h 934335"/>
+                <a:gd name="connsiteX1" fmla="*/ 6106332 w 6106332"/>
+                <a:gd name="connsiteY1" fmla="*/ 0 h 934335"/>
+                <a:gd name="connsiteX2" fmla="*/ 5725332 w 6106332"/>
+                <a:gd name="connsiteY2" fmla="*/ 934335 h 934335"/>
+                <a:gd name="connsiteX3" fmla="*/ 0 w 6106332"/>
+                <a:gd name="connsiteY3" fmla="*/ 915285 h 934335"/>
+                <a:gd name="connsiteX4" fmla="*/ 0 w 6106332"/>
+                <a:gd name="connsiteY4" fmla="*/ 0 h 934335"/>
+              </a:gdLst>
+              <a:ahLst/>
+              <a:cxnLst>
+                <a:cxn ang="0">
+                  <a:pos x="connsiteX0" y="connsiteY0"/>
+                </a:cxn>
+                <a:cxn ang="0">
+                  <a:pos x="connsiteX1" y="connsiteY1"/>
+                </a:cxn>
+                <a:cxn ang="0">
+                  <a:pos x="connsiteX2" y="connsiteY2"/>
+                </a:cxn>
+                <a:cxn ang="0">
+                  <a:pos x="connsiteX3" y="connsiteY3"/>
+                </a:cxn>
+                <a:cxn ang="0">
+                  <a:pos x="connsiteX4" y="connsiteY4"/>
+                </a:cxn>
+              </a:cxnLst>
+              <a:rect l="l" t="t" r="r" b="b"/>
+              <a:pathLst>
+                <a:path w="6106332" h="934335">
+                  <a:moveTo>
+                    <a:pt x="0" y="0"/>
+                  </a:moveTo>
+                  <a:lnTo>
+                    <a:pt x="6106332" y="0"/>
+                  </a:lnTo>
+                  <a:lnTo>
+                    <a:pt x="5725332" y="934335"/>
+                  </a:lnTo>
+                  <a:lnTo>
+                    <a:pt x="0" y="915285"/>
+                  </a:lnTo>
+                  <a:lnTo>
+                    <a:pt x="0" y="0"/>
+                  </a:lnTo>
+                  <a:close/>
+                </a:path>
+              </a:pathLst>
+            </a:custGeom>
+            <a:solidFill>
+              <a:schemeClr val="accent2"/>
+            </a:solidFill>
+            <a:ln>
+              <a:noFill/>
+            </a:ln>
+          </p:spPr>
+          <p:style>
+            <a:lnRef idx="2">
+              <a:schemeClr val="accent1">
+                <a:shade val="50000"/>
+              </a:schemeClr>
+            </a:lnRef>
+            <a:fillRef idx="1">
+              <a:schemeClr val="accent1"/>
+            </a:fillRef>
+            <a:effectRef idx="0">
+              <a:schemeClr val="accent1"/>
+            </a:effectRef>
+            <a:fontRef idx="minor">
+              <a:schemeClr val="lt1"/>
+            </a:fontRef>
+          </p:style>
+          <p:txBody>
+            <a:bodyPr rtlCol="0" anchor="ctr"/>
+            <a:lstStyle/>
+            <a:p>
+              <a:pPr algn="ctr"/>
+              <a:endParaRPr lang="en-US">
+                <a:solidFill>
+                  <a:schemeClr val="accent2"/>
+                </a:solidFill>
+              </a:endParaRPr>
+            </a:p>
+          </p:txBody>
+        </p:sp>
+        <p:cxnSp>
+          <p:nvCxnSpPr>
+            <p:cNvPr id="33" name="Straight Connector 32"/>
+            <p:cNvCxnSpPr/>
+            <p:nvPr/>
+          </p:nvCxnSpPr>
+          <p:spPr>
+            <a:xfrm rot="10800000">
+              <a:off x="7943850" y="6405346"/>
+              <a:ext cx="4248150" cy="0"/>
+            </a:xfrm>
+            <a:prstGeom prst="line">
+              <a:avLst/>
+            </a:prstGeom>
+            <a:ln w="50800">
+              <a:solidFill>
+                <a:schemeClr val="bg1"/>
+              </a:solidFill>
+              <a:tailEnd type="diamond"/>
+            </a:ln>
+          </p:spPr>
+          <p:style>
+            <a:lnRef idx="1">
+              <a:schemeClr val="accent1"/>
+            </a:lnRef>
+            <a:fillRef idx="0">
+              <a:schemeClr val="accent1"/>
+            </a:fillRef>
+            <a:effectRef idx="0">
+              <a:schemeClr val="accent1"/>
+            </a:effectRef>
+            <a:fontRef idx="minor">
+              <a:schemeClr val="tx1"/>
+            </a:fontRef>
+          </p:style>
+        </p:cxnSp>
+      </p:grpSp>
+    </p:spTree>
+    <p:extLst>
+      <p:ext uri="{BB962C8B-B14F-4D97-AF65-F5344CB8AC3E}">
+        <p14:creationId xmlns:p14="http://schemas.microsoft.com/office/powerpoint/2010/main" val="96532896"/>
+      </p:ext>
+    </p:extLst>
+  </p:cSld>
+  <p:clrMapOvr>
+    <a:masterClrMapping/>
+  </p:clrMapOvr>
+</p:sld>
+</file>
+
+<file path=ppt/slides/slide18.xml><?xml version="1.0" encoding="utf-8"?>
 <p:sld xmlns:a="http://schemas.openxmlformats.org/drawingml/2006/main" xmlns:r="http://schemas.openxmlformats.org/officeDocument/2006/relationships" xmlns:p="http://schemas.openxmlformats.org/presentationml/2006/main">
   <p:cSld>
     <p:spTree>
@@ -11410,12 +10989,10 @@
               </a:bodyPr>
               <a:lstStyle/>
               <a:p>
-                <a:pPr marL="171450" indent="-171450">
+                <a:pPr>
                   <a:lnSpc>
                     <a:spcPct val="150000"/>
                   </a:lnSpc>
-                  <a:buFont typeface="Arial" panose="020B0604020202020204" pitchFamily="34" charset="0"/>
-                  <a:buChar char="•"/>
                 </a:pPr>
                 <a:r>
                   <a:rPr lang="en-US" sz="1400" dirty="0">
@@ -11426,47 +11003,7 @@
                       </a:schemeClr>
                     </a:solidFill>
                   </a:rPr>
-                  <a:t>Choose respected critics</a:t>
-                </a:r>
-              </a:p>
-              <a:p>
-                <a:pPr marL="171450" indent="-171450">
-                  <a:lnSpc>
-                    <a:spcPct val="150000"/>
-                  </a:lnSpc>
-                  <a:buFont typeface="Arial" panose="020B0604020202020204" pitchFamily="34" charset="0"/>
-                  <a:buChar char="•"/>
-                </a:pPr>
-                <a:r>
-                  <a:rPr lang="en-US" sz="1400" dirty="0">
-                    <a:solidFill>
-                      <a:schemeClr val="tx2">
-                        <a:lumMod val="50000"/>
-                        <a:lumOff val="50000"/>
-                      </a:schemeClr>
-                    </a:solidFill>
-                  </a:rPr>
-                  <a:t>Assign scores to reviews</a:t>
-                </a:r>
-              </a:p>
-              <a:p>
-                <a:pPr marL="171450" indent="-171450">
-                  <a:lnSpc>
-                    <a:spcPct val="150000"/>
-                  </a:lnSpc>
-                  <a:buFont typeface="Arial" panose="020B0604020202020204" pitchFamily="34" charset="0"/>
-                  <a:buChar char="•"/>
-                </a:pPr>
-                <a:r>
-                  <a:rPr lang="en-US" sz="1400" dirty="0">
-                    <a:solidFill>
-                      <a:schemeClr val="tx2">
-                        <a:lumMod val="50000"/>
-                        <a:lumOff val="50000"/>
-                      </a:schemeClr>
-                    </a:solidFill>
-                  </a:rPr>
-                  <a:t>Apply weighted average</a:t>
+                  <a:t>The media outlet included in the calculating pool and their weights matter</a:t>
                 </a:r>
               </a:p>
             </p:txBody>
@@ -11507,7 +11044,7 @@
                       </a:schemeClr>
                     </a:solidFill>
                   </a:rPr>
-                  <a:t>Metacritic’s Choice</a:t>
+                  <a:t>Metascore Calculation</a:t>
                 </a:r>
               </a:p>
             </p:txBody>
@@ -11563,7 +11100,7 @@
                       </a:schemeClr>
                     </a:solidFill>
                   </a:rPr>
-                  <a:t>Critics with less reviews tend to have higher average scores or positive reviews</a:t>
+                  <a:t>Scores are higher before release date and mixed around and after.</a:t>
                 </a:r>
               </a:p>
             </p:txBody>
@@ -11604,7 +11141,7 @@
                       </a:schemeClr>
                     </a:solidFill>
                   </a:rPr>
-                  <a:t>Number of Reviews</a:t>
+                  <a:t>Review Score</a:t>
                 </a:r>
               </a:p>
             </p:txBody>
@@ -11716,9 +11253,9 @@
           <p:grpSpPr>
             <a:xfrm>
               <a:off x="8836424" y="1577063"/>
-              <a:ext cx="3033843" cy="1173249"/>
+              <a:ext cx="3033843" cy="1819579"/>
               <a:chOff x="9353207" y="5440181"/>
-              <a:chExt cx="5990855" cy="1173249"/>
+              <a:chExt cx="5990855" cy="1819579"/>
             </a:xfrm>
           </p:grpSpPr>
           <p:sp>
@@ -11730,7 +11267,7 @@
             <p:spPr>
               <a:xfrm>
                 <a:off x="9353207" y="5914905"/>
-                <a:ext cx="4841282" cy="698525"/>
+                <a:ext cx="5685734" cy="1344855"/>
               </a:xfrm>
               <a:prstGeom prst="rect">
                 <a:avLst/>
@@ -11757,7 +11294,7 @@
                       </a:schemeClr>
                     </a:solidFill>
                   </a:rPr>
-                  <a:t>Higher scores are given pre movie release</a:t>
+                  <a:t>Reviews come out mainly before and around movie release, which results in Metascore changing over time.</a:t>
                 </a:r>
               </a:p>
             </p:txBody>
@@ -11798,7 +11335,7 @@
                       </a:schemeClr>
                     </a:solidFill>
                   </a:rPr>
-                  <a:t>Review Publish Date</a:t>
+                  <a:t>Review Date</a:t>
                 </a:r>
               </a:p>
             </p:txBody>
@@ -11809,6 +11346,458 @@
     <p:extLst>
       <p:ext uri="{BB962C8B-B14F-4D97-AF65-F5344CB8AC3E}">
         <p14:creationId xmlns:p14="http://schemas.microsoft.com/office/powerpoint/2010/main" val="2747061499"/>
+      </p:ext>
+    </p:extLst>
+  </p:cSld>
+  <p:clrMapOvr>
+    <a:masterClrMapping/>
+  </p:clrMapOvr>
+</p:sld>
+</file>
+
+<file path=ppt/slides/slide19.xml><?xml version="1.0" encoding="utf-8"?>
+<p:sld xmlns:a="http://schemas.openxmlformats.org/drawingml/2006/main" xmlns:r="http://schemas.openxmlformats.org/officeDocument/2006/relationships" xmlns:p="http://schemas.openxmlformats.org/presentationml/2006/main">
+  <p:cSld>
+    <p:spTree>
+      <p:nvGrpSpPr>
+        <p:cNvPr id="1" name=""/>
+        <p:cNvGrpSpPr/>
+        <p:nvPr/>
+      </p:nvGrpSpPr>
+      <p:grpSpPr>
+        <a:xfrm>
+          <a:off x="0" y="0"/>
+          <a:ext cx="0" cy="0"/>
+          <a:chOff x="0" y="0"/>
+          <a:chExt cx="0" cy="0"/>
+        </a:xfrm>
+      </p:grpSpPr>
+      <p:sp>
+        <p:nvSpPr>
+          <p:cNvPr id="2" name="Picture Placeholder 1"/>
+          <p:cNvSpPr>
+            <a:spLocks noGrp="1"/>
+          </p:cNvSpPr>
+          <p:nvPr>
+            <p:ph type="pic" sz="quarter" idx="10"/>
+          </p:nvPr>
+        </p:nvSpPr>
+        <p:spPr/>
+      </p:sp>
+      <p:sp>
+        <p:nvSpPr>
+          <p:cNvPr id="5" name="Rectangle 4"/>
+          <p:cNvSpPr/>
+          <p:nvPr/>
+        </p:nvSpPr>
+        <p:spPr>
+          <a:xfrm>
+            <a:off x="0" y="0"/>
+            <a:ext cx="12192000" cy="6858000"/>
+          </a:xfrm>
+          <a:prstGeom prst="rect">
+            <a:avLst/>
+          </a:prstGeom>
+          <a:solidFill>
+            <a:schemeClr val="bg1">
+              <a:alpha val="70000"/>
+            </a:schemeClr>
+          </a:solidFill>
+          <a:ln>
+            <a:noFill/>
+          </a:ln>
+        </p:spPr>
+        <p:style>
+          <a:lnRef idx="2">
+            <a:schemeClr val="accent1">
+              <a:shade val="50000"/>
+            </a:schemeClr>
+          </a:lnRef>
+          <a:fillRef idx="1">
+            <a:schemeClr val="accent1"/>
+          </a:fillRef>
+          <a:effectRef idx="0">
+            <a:schemeClr val="accent1"/>
+          </a:effectRef>
+          <a:fontRef idx="minor">
+            <a:schemeClr val="lt1"/>
+          </a:fontRef>
+        </p:style>
+        <p:txBody>
+          <a:bodyPr rtlCol="0" anchor="ctr"/>
+          <a:lstStyle/>
+          <a:p>
+            <a:pPr algn="ctr"/>
+            <a:endParaRPr lang="en-US"/>
+          </a:p>
+        </p:txBody>
+      </p:sp>
+      <p:sp>
+        <p:nvSpPr>
+          <p:cNvPr id="6" name="TextBox 5"/>
+          <p:cNvSpPr txBox="1"/>
+          <p:nvPr/>
+        </p:nvSpPr>
+        <p:spPr>
+          <a:xfrm flipH="1">
+            <a:off x="3453493" y="2782735"/>
+            <a:ext cx="5285014" cy="1186159"/>
+          </a:xfrm>
+          <a:prstGeom prst="rect">
+            <a:avLst/>
+          </a:prstGeom>
+          <a:noFill/>
+          <a:ln>
+            <a:noFill/>
+          </a:ln>
+        </p:spPr>
+        <p:txBody>
+          <a:bodyPr wrap="square" rtlCol="0">
+            <a:spAutoFit/>
+          </a:bodyPr>
+          <a:lstStyle/>
+          <a:p>
+            <a:pPr algn="ctr">
+              <a:lnSpc>
+                <a:spcPct val="150000"/>
+              </a:lnSpc>
+            </a:pPr>
+            <a:r>
+              <a:rPr lang="en-US" sz="5400" b="1" spc="300" dirty="0">
+                <a:solidFill>
+                  <a:schemeClr val="tx1">
+                    <a:lumMod val="90000"/>
+                    <a:lumOff val="10000"/>
+                  </a:schemeClr>
+                </a:solidFill>
+                <a:latin typeface="+mj-lt"/>
+              </a:rPr>
+              <a:t>THANK YOU</a:t>
+            </a:r>
+          </a:p>
+        </p:txBody>
+      </p:sp>
+      <p:grpSp>
+        <p:nvGrpSpPr>
+          <p:cNvPr id="30" name="Group 29"/>
+          <p:cNvGrpSpPr/>
+          <p:nvPr/>
+        </p:nvGrpSpPr>
+        <p:grpSpPr>
+          <a:xfrm>
+            <a:off x="0" y="0"/>
+            <a:ext cx="6106332" cy="934335"/>
+            <a:chOff x="0" y="0"/>
+            <a:chExt cx="6106332" cy="934335"/>
+          </a:xfrm>
+        </p:grpSpPr>
+        <p:sp>
+          <p:nvSpPr>
+            <p:cNvPr id="16" name="Rectangle 15"/>
+            <p:cNvSpPr/>
+            <p:nvPr/>
+          </p:nvSpPr>
+          <p:spPr>
+            <a:xfrm>
+              <a:off x="0" y="0"/>
+              <a:ext cx="6106332" cy="934335"/>
+            </a:xfrm>
+            <a:custGeom>
+              <a:avLst/>
+              <a:gdLst>
+                <a:gd name="connsiteX0" fmla="*/ 0 w 6106332"/>
+                <a:gd name="connsiteY0" fmla="*/ 0 h 915285"/>
+                <a:gd name="connsiteX1" fmla="*/ 6106332 w 6106332"/>
+                <a:gd name="connsiteY1" fmla="*/ 0 h 915285"/>
+                <a:gd name="connsiteX2" fmla="*/ 6106332 w 6106332"/>
+                <a:gd name="connsiteY2" fmla="*/ 915285 h 915285"/>
+                <a:gd name="connsiteX3" fmla="*/ 0 w 6106332"/>
+                <a:gd name="connsiteY3" fmla="*/ 915285 h 915285"/>
+                <a:gd name="connsiteX4" fmla="*/ 0 w 6106332"/>
+                <a:gd name="connsiteY4" fmla="*/ 0 h 915285"/>
+                <a:gd name="connsiteX0" fmla="*/ 0 w 6106332"/>
+                <a:gd name="connsiteY0" fmla="*/ 0 h 934335"/>
+                <a:gd name="connsiteX1" fmla="*/ 6106332 w 6106332"/>
+                <a:gd name="connsiteY1" fmla="*/ 0 h 934335"/>
+                <a:gd name="connsiteX2" fmla="*/ 5725332 w 6106332"/>
+                <a:gd name="connsiteY2" fmla="*/ 934335 h 934335"/>
+                <a:gd name="connsiteX3" fmla="*/ 0 w 6106332"/>
+                <a:gd name="connsiteY3" fmla="*/ 915285 h 934335"/>
+                <a:gd name="connsiteX4" fmla="*/ 0 w 6106332"/>
+                <a:gd name="connsiteY4" fmla="*/ 0 h 934335"/>
+              </a:gdLst>
+              <a:ahLst/>
+              <a:cxnLst>
+                <a:cxn ang="0">
+                  <a:pos x="connsiteX0" y="connsiteY0"/>
+                </a:cxn>
+                <a:cxn ang="0">
+                  <a:pos x="connsiteX1" y="connsiteY1"/>
+                </a:cxn>
+                <a:cxn ang="0">
+                  <a:pos x="connsiteX2" y="connsiteY2"/>
+                </a:cxn>
+                <a:cxn ang="0">
+                  <a:pos x="connsiteX3" y="connsiteY3"/>
+                </a:cxn>
+                <a:cxn ang="0">
+                  <a:pos x="connsiteX4" y="connsiteY4"/>
+                </a:cxn>
+              </a:cxnLst>
+              <a:rect l="l" t="t" r="r" b="b"/>
+              <a:pathLst>
+                <a:path w="6106332" h="934335">
+                  <a:moveTo>
+                    <a:pt x="0" y="0"/>
+                  </a:moveTo>
+                  <a:lnTo>
+                    <a:pt x="6106332" y="0"/>
+                  </a:lnTo>
+                  <a:lnTo>
+                    <a:pt x="5725332" y="934335"/>
+                  </a:lnTo>
+                  <a:lnTo>
+                    <a:pt x="0" y="915285"/>
+                  </a:lnTo>
+                  <a:lnTo>
+                    <a:pt x="0" y="0"/>
+                  </a:lnTo>
+                  <a:close/>
+                </a:path>
+              </a:pathLst>
+            </a:custGeom>
+            <a:ln>
+              <a:noFill/>
+            </a:ln>
+          </p:spPr>
+          <p:style>
+            <a:lnRef idx="2">
+              <a:schemeClr val="accent1">
+                <a:shade val="50000"/>
+              </a:schemeClr>
+            </a:lnRef>
+            <a:fillRef idx="1">
+              <a:schemeClr val="accent1"/>
+            </a:fillRef>
+            <a:effectRef idx="0">
+              <a:schemeClr val="accent1"/>
+            </a:effectRef>
+            <a:fontRef idx="minor">
+              <a:schemeClr val="lt1"/>
+            </a:fontRef>
+          </p:style>
+          <p:txBody>
+            <a:bodyPr rtlCol="0" anchor="ctr"/>
+            <a:lstStyle/>
+            <a:p>
+              <a:pPr algn="ctr"/>
+              <a:endParaRPr lang="en-US"/>
+            </a:p>
+          </p:txBody>
+        </p:sp>
+        <p:cxnSp>
+          <p:nvCxnSpPr>
+            <p:cNvPr id="27" name="Straight Connector 26"/>
+            <p:cNvCxnSpPr/>
+            <p:nvPr/>
+          </p:nvCxnSpPr>
+          <p:spPr>
+            <a:xfrm>
+              <a:off x="0" y="452653"/>
+              <a:ext cx="4248150" cy="0"/>
+            </a:xfrm>
+            <a:prstGeom prst="line">
+              <a:avLst/>
+            </a:prstGeom>
+            <a:ln w="50800">
+              <a:solidFill>
+                <a:schemeClr val="bg1"/>
+              </a:solidFill>
+              <a:tailEnd type="diamond"/>
+            </a:ln>
+          </p:spPr>
+          <p:style>
+            <a:lnRef idx="1">
+              <a:schemeClr val="accent1"/>
+            </a:lnRef>
+            <a:fillRef idx="0">
+              <a:schemeClr val="accent1"/>
+            </a:fillRef>
+            <a:effectRef idx="0">
+              <a:schemeClr val="accent1"/>
+            </a:effectRef>
+            <a:fontRef idx="minor">
+              <a:schemeClr val="tx1"/>
+            </a:fontRef>
+          </p:style>
+        </p:cxnSp>
+      </p:grpSp>
+      <p:grpSp>
+        <p:nvGrpSpPr>
+          <p:cNvPr id="34" name="Group 33"/>
+          <p:cNvGrpSpPr/>
+          <p:nvPr/>
+        </p:nvGrpSpPr>
+        <p:grpSpPr>
+          <a:xfrm>
+            <a:off x="6085668" y="5923665"/>
+            <a:ext cx="6106332" cy="934335"/>
+            <a:chOff x="6085668" y="5923665"/>
+            <a:chExt cx="6106332" cy="934335"/>
+          </a:xfrm>
+        </p:grpSpPr>
+        <p:sp>
+          <p:nvSpPr>
+            <p:cNvPr id="25" name="Rectangle 15"/>
+            <p:cNvSpPr/>
+            <p:nvPr/>
+          </p:nvSpPr>
+          <p:spPr>
+            <a:xfrm rot="10800000">
+              <a:off x="6085668" y="5923665"/>
+              <a:ext cx="6106332" cy="934335"/>
+            </a:xfrm>
+            <a:custGeom>
+              <a:avLst/>
+              <a:gdLst>
+                <a:gd name="connsiteX0" fmla="*/ 0 w 6106332"/>
+                <a:gd name="connsiteY0" fmla="*/ 0 h 915285"/>
+                <a:gd name="connsiteX1" fmla="*/ 6106332 w 6106332"/>
+                <a:gd name="connsiteY1" fmla="*/ 0 h 915285"/>
+                <a:gd name="connsiteX2" fmla="*/ 6106332 w 6106332"/>
+                <a:gd name="connsiteY2" fmla="*/ 915285 h 915285"/>
+                <a:gd name="connsiteX3" fmla="*/ 0 w 6106332"/>
+                <a:gd name="connsiteY3" fmla="*/ 915285 h 915285"/>
+                <a:gd name="connsiteX4" fmla="*/ 0 w 6106332"/>
+                <a:gd name="connsiteY4" fmla="*/ 0 h 915285"/>
+                <a:gd name="connsiteX0" fmla="*/ 0 w 6106332"/>
+                <a:gd name="connsiteY0" fmla="*/ 0 h 934335"/>
+                <a:gd name="connsiteX1" fmla="*/ 6106332 w 6106332"/>
+                <a:gd name="connsiteY1" fmla="*/ 0 h 934335"/>
+                <a:gd name="connsiteX2" fmla="*/ 5725332 w 6106332"/>
+                <a:gd name="connsiteY2" fmla="*/ 934335 h 934335"/>
+                <a:gd name="connsiteX3" fmla="*/ 0 w 6106332"/>
+                <a:gd name="connsiteY3" fmla="*/ 915285 h 934335"/>
+                <a:gd name="connsiteX4" fmla="*/ 0 w 6106332"/>
+                <a:gd name="connsiteY4" fmla="*/ 0 h 934335"/>
+              </a:gdLst>
+              <a:ahLst/>
+              <a:cxnLst>
+                <a:cxn ang="0">
+                  <a:pos x="connsiteX0" y="connsiteY0"/>
+                </a:cxn>
+                <a:cxn ang="0">
+                  <a:pos x="connsiteX1" y="connsiteY1"/>
+                </a:cxn>
+                <a:cxn ang="0">
+                  <a:pos x="connsiteX2" y="connsiteY2"/>
+                </a:cxn>
+                <a:cxn ang="0">
+                  <a:pos x="connsiteX3" y="connsiteY3"/>
+                </a:cxn>
+                <a:cxn ang="0">
+                  <a:pos x="connsiteX4" y="connsiteY4"/>
+                </a:cxn>
+              </a:cxnLst>
+              <a:rect l="l" t="t" r="r" b="b"/>
+              <a:pathLst>
+                <a:path w="6106332" h="934335">
+                  <a:moveTo>
+                    <a:pt x="0" y="0"/>
+                  </a:moveTo>
+                  <a:lnTo>
+                    <a:pt x="6106332" y="0"/>
+                  </a:lnTo>
+                  <a:lnTo>
+                    <a:pt x="5725332" y="934335"/>
+                  </a:lnTo>
+                  <a:lnTo>
+                    <a:pt x="0" y="915285"/>
+                  </a:lnTo>
+                  <a:lnTo>
+                    <a:pt x="0" y="0"/>
+                  </a:lnTo>
+                  <a:close/>
+                </a:path>
+              </a:pathLst>
+            </a:custGeom>
+            <a:solidFill>
+              <a:schemeClr val="accent2"/>
+            </a:solidFill>
+            <a:ln>
+              <a:noFill/>
+            </a:ln>
+          </p:spPr>
+          <p:style>
+            <a:lnRef idx="2">
+              <a:schemeClr val="accent1">
+                <a:shade val="50000"/>
+              </a:schemeClr>
+            </a:lnRef>
+            <a:fillRef idx="1">
+              <a:schemeClr val="accent1"/>
+            </a:fillRef>
+            <a:effectRef idx="0">
+              <a:schemeClr val="accent1"/>
+            </a:effectRef>
+            <a:fontRef idx="minor">
+              <a:schemeClr val="lt1"/>
+            </a:fontRef>
+          </p:style>
+          <p:txBody>
+            <a:bodyPr rtlCol="0" anchor="ctr"/>
+            <a:lstStyle/>
+            <a:p>
+              <a:pPr algn="ctr"/>
+              <a:endParaRPr lang="en-US">
+                <a:solidFill>
+                  <a:schemeClr val="accent2"/>
+                </a:solidFill>
+              </a:endParaRPr>
+            </a:p>
+          </p:txBody>
+        </p:sp>
+        <p:cxnSp>
+          <p:nvCxnSpPr>
+            <p:cNvPr id="33" name="Straight Connector 32"/>
+            <p:cNvCxnSpPr/>
+            <p:nvPr/>
+          </p:nvCxnSpPr>
+          <p:spPr>
+            <a:xfrm rot="10800000">
+              <a:off x="7943850" y="6405346"/>
+              <a:ext cx="4248150" cy="0"/>
+            </a:xfrm>
+            <a:prstGeom prst="line">
+              <a:avLst/>
+            </a:prstGeom>
+            <a:ln w="50800">
+              <a:solidFill>
+                <a:schemeClr val="bg1"/>
+              </a:solidFill>
+              <a:tailEnd type="diamond"/>
+            </a:ln>
+          </p:spPr>
+          <p:style>
+            <a:lnRef idx="1">
+              <a:schemeClr val="accent1"/>
+            </a:lnRef>
+            <a:fillRef idx="0">
+              <a:schemeClr val="accent1"/>
+            </a:fillRef>
+            <a:effectRef idx="0">
+              <a:schemeClr val="accent1"/>
+            </a:effectRef>
+            <a:fontRef idx="minor">
+              <a:schemeClr val="tx1"/>
+            </a:fontRef>
+          </p:style>
+        </p:cxnSp>
+      </p:grpSp>
+    </p:spTree>
+    <p:extLst>
+      <p:ext uri="{BB962C8B-B14F-4D97-AF65-F5344CB8AC3E}">
+        <p14:creationId xmlns:p14="http://schemas.microsoft.com/office/powerpoint/2010/main" val="968076174"/>
       </p:ext>
     </p:extLst>
   </p:cSld>
@@ -12303,514 +12292,6 @@
 </p:sld>
 </file>
 
-<file path=ppt/slides/slide20.xml><?xml version="1.0" encoding="utf-8"?>
-<p:sld xmlns:a="http://schemas.openxmlformats.org/drawingml/2006/main" xmlns:r="http://schemas.openxmlformats.org/officeDocument/2006/relationships" xmlns:p="http://schemas.openxmlformats.org/presentationml/2006/main">
-  <p:cSld>
-    <p:spTree>
-      <p:nvGrpSpPr>
-        <p:cNvPr id="1" name=""/>
-        <p:cNvGrpSpPr/>
-        <p:nvPr/>
-      </p:nvGrpSpPr>
-      <p:grpSpPr>
-        <a:xfrm>
-          <a:off x="0" y="0"/>
-          <a:ext cx="0" cy="0"/>
-          <a:chOff x="0" y="0"/>
-          <a:chExt cx="0" cy="0"/>
-        </a:xfrm>
-      </p:grpSpPr>
-      <p:sp>
-        <p:nvSpPr>
-          <p:cNvPr id="2" name="Picture Placeholder 1"/>
-          <p:cNvSpPr>
-            <a:spLocks noGrp="1"/>
-          </p:cNvSpPr>
-          <p:nvPr>
-            <p:ph type="pic" sz="quarter" idx="10"/>
-          </p:nvPr>
-        </p:nvSpPr>
-        <p:spPr/>
-      </p:sp>
-      <p:sp>
-        <p:nvSpPr>
-          <p:cNvPr id="5" name="Rectangle 4"/>
-          <p:cNvSpPr/>
-          <p:nvPr/>
-        </p:nvSpPr>
-        <p:spPr>
-          <a:xfrm>
-            <a:off x="0" y="0"/>
-            <a:ext cx="12192000" cy="6858000"/>
-          </a:xfrm>
-          <a:prstGeom prst="rect">
-            <a:avLst/>
-          </a:prstGeom>
-          <a:solidFill>
-            <a:schemeClr val="bg1">
-              <a:alpha val="70000"/>
-            </a:schemeClr>
-          </a:solidFill>
-          <a:ln>
-            <a:noFill/>
-          </a:ln>
-        </p:spPr>
-        <p:style>
-          <a:lnRef idx="2">
-            <a:schemeClr val="accent1">
-              <a:shade val="50000"/>
-            </a:schemeClr>
-          </a:lnRef>
-          <a:fillRef idx="1">
-            <a:schemeClr val="accent1"/>
-          </a:fillRef>
-          <a:effectRef idx="0">
-            <a:schemeClr val="accent1"/>
-          </a:effectRef>
-          <a:fontRef idx="minor">
-            <a:schemeClr val="lt1"/>
-          </a:fontRef>
-        </p:style>
-        <p:txBody>
-          <a:bodyPr rtlCol="0" anchor="ctr"/>
-          <a:lstStyle/>
-          <a:p>
-            <a:pPr algn="ctr"/>
-            <a:endParaRPr lang="en-US"/>
-          </a:p>
-        </p:txBody>
-      </p:sp>
-      <p:grpSp>
-        <p:nvGrpSpPr>
-          <p:cNvPr id="23" name="Group 22"/>
-          <p:cNvGrpSpPr/>
-          <p:nvPr/>
-        </p:nvGrpSpPr>
-        <p:grpSpPr>
-          <a:xfrm>
-            <a:off x="3453493" y="2782735"/>
-            <a:ext cx="5285014" cy="1641614"/>
-            <a:chOff x="3453493" y="2936339"/>
-            <a:chExt cx="5285014" cy="1641614"/>
-          </a:xfrm>
-        </p:grpSpPr>
-        <p:sp>
-          <p:nvSpPr>
-            <p:cNvPr id="6" name="TextBox 5"/>
-            <p:cNvSpPr txBox="1"/>
-            <p:nvPr/>
-          </p:nvSpPr>
-          <p:spPr>
-            <a:xfrm flipH="1">
-              <a:off x="3453493" y="2936339"/>
-              <a:ext cx="5285014" cy="1186159"/>
-            </a:xfrm>
-            <a:prstGeom prst="rect">
-              <a:avLst/>
-            </a:prstGeom>
-            <a:noFill/>
-            <a:ln>
-              <a:noFill/>
-            </a:ln>
-          </p:spPr>
-          <p:txBody>
-            <a:bodyPr wrap="square" rtlCol="0">
-              <a:spAutoFit/>
-            </a:bodyPr>
-            <a:lstStyle/>
-            <a:p>
-              <a:pPr algn="ctr">
-                <a:lnSpc>
-                  <a:spcPct val="150000"/>
-                </a:lnSpc>
-              </a:pPr>
-              <a:r>
-                <a:rPr lang="en-US" sz="5400" b="1" spc="300" dirty="0">
-                  <a:solidFill>
-                    <a:schemeClr val="tx1">
-                      <a:lumMod val="90000"/>
-                      <a:lumOff val="10000"/>
-                    </a:schemeClr>
-                  </a:solidFill>
-                  <a:latin typeface="+mj-lt"/>
-                </a:rPr>
-                <a:t>THANK YOU</a:t>
-              </a:r>
-            </a:p>
-          </p:txBody>
-        </p:sp>
-        <p:sp>
-          <p:nvSpPr>
-            <p:cNvPr id="22" name="TextBox 21"/>
-            <p:cNvSpPr txBox="1"/>
-            <p:nvPr/>
-          </p:nvSpPr>
-          <p:spPr>
-            <a:xfrm>
-              <a:off x="3802742" y="3919568"/>
-              <a:ext cx="4586516" cy="658385"/>
-            </a:xfrm>
-            <a:prstGeom prst="rect">
-              <a:avLst/>
-            </a:prstGeom>
-            <a:noFill/>
-          </p:spPr>
-          <p:txBody>
-            <a:bodyPr wrap="square" rtlCol="0">
-              <a:spAutoFit/>
-            </a:bodyPr>
-            <a:lstStyle/>
-            <a:p>
-              <a:pPr algn="ctr">
-                <a:lnSpc>
-                  <a:spcPct val="150000"/>
-                </a:lnSpc>
-              </a:pPr>
-              <a:r>
-                <a:rPr lang="en-US" sz="2800" dirty="0">
-                  <a:solidFill>
-                    <a:schemeClr val="tx1">
-                      <a:lumMod val="50000"/>
-                      <a:lumOff val="50000"/>
-                    </a:schemeClr>
-                  </a:solidFill>
-                </a:rPr>
-                <a:t>Q &amp; A</a:t>
-              </a:r>
-            </a:p>
-          </p:txBody>
-        </p:sp>
-      </p:grpSp>
-      <p:grpSp>
-        <p:nvGrpSpPr>
-          <p:cNvPr id="30" name="Group 29"/>
-          <p:cNvGrpSpPr/>
-          <p:nvPr/>
-        </p:nvGrpSpPr>
-        <p:grpSpPr>
-          <a:xfrm>
-            <a:off x="0" y="0"/>
-            <a:ext cx="6106332" cy="934335"/>
-            <a:chOff x="0" y="0"/>
-            <a:chExt cx="6106332" cy="934335"/>
-          </a:xfrm>
-        </p:grpSpPr>
-        <p:sp>
-          <p:nvSpPr>
-            <p:cNvPr id="16" name="Rectangle 15"/>
-            <p:cNvSpPr/>
-            <p:nvPr/>
-          </p:nvSpPr>
-          <p:spPr>
-            <a:xfrm>
-              <a:off x="0" y="0"/>
-              <a:ext cx="6106332" cy="934335"/>
-            </a:xfrm>
-            <a:custGeom>
-              <a:avLst/>
-              <a:gdLst>
-                <a:gd name="connsiteX0" fmla="*/ 0 w 6106332"/>
-                <a:gd name="connsiteY0" fmla="*/ 0 h 915285"/>
-                <a:gd name="connsiteX1" fmla="*/ 6106332 w 6106332"/>
-                <a:gd name="connsiteY1" fmla="*/ 0 h 915285"/>
-                <a:gd name="connsiteX2" fmla="*/ 6106332 w 6106332"/>
-                <a:gd name="connsiteY2" fmla="*/ 915285 h 915285"/>
-                <a:gd name="connsiteX3" fmla="*/ 0 w 6106332"/>
-                <a:gd name="connsiteY3" fmla="*/ 915285 h 915285"/>
-                <a:gd name="connsiteX4" fmla="*/ 0 w 6106332"/>
-                <a:gd name="connsiteY4" fmla="*/ 0 h 915285"/>
-                <a:gd name="connsiteX0" fmla="*/ 0 w 6106332"/>
-                <a:gd name="connsiteY0" fmla="*/ 0 h 934335"/>
-                <a:gd name="connsiteX1" fmla="*/ 6106332 w 6106332"/>
-                <a:gd name="connsiteY1" fmla="*/ 0 h 934335"/>
-                <a:gd name="connsiteX2" fmla="*/ 5725332 w 6106332"/>
-                <a:gd name="connsiteY2" fmla="*/ 934335 h 934335"/>
-                <a:gd name="connsiteX3" fmla="*/ 0 w 6106332"/>
-                <a:gd name="connsiteY3" fmla="*/ 915285 h 934335"/>
-                <a:gd name="connsiteX4" fmla="*/ 0 w 6106332"/>
-                <a:gd name="connsiteY4" fmla="*/ 0 h 934335"/>
-              </a:gdLst>
-              <a:ahLst/>
-              <a:cxnLst>
-                <a:cxn ang="0">
-                  <a:pos x="connsiteX0" y="connsiteY0"/>
-                </a:cxn>
-                <a:cxn ang="0">
-                  <a:pos x="connsiteX1" y="connsiteY1"/>
-                </a:cxn>
-                <a:cxn ang="0">
-                  <a:pos x="connsiteX2" y="connsiteY2"/>
-                </a:cxn>
-                <a:cxn ang="0">
-                  <a:pos x="connsiteX3" y="connsiteY3"/>
-                </a:cxn>
-                <a:cxn ang="0">
-                  <a:pos x="connsiteX4" y="connsiteY4"/>
-                </a:cxn>
-              </a:cxnLst>
-              <a:rect l="l" t="t" r="r" b="b"/>
-              <a:pathLst>
-                <a:path w="6106332" h="934335">
-                  <a:moveTo>
-                    <a:pt x="0" y="0"/>
-                  </a:moveTo>
-                  <a:lnTo>
-                    <a:pt x="6106332" y="0"/>
-                  </a:lnTo>
-                  <a:lnTo>
-                    <a:pt x="5725332" y="934335"/>
-                  </a:lnTo>
-                  <a:lnTo>
-                    <a:pt x="0" y="915285"/>
-                  </a:lnTo>
-                  <a:lnTo>
-                    <a:pt x="0" y="0"/>
-                  </a:lnTo>
-                  <a:close/>
-                </a:path>
-              </a:pathLst>
-            </a:custGeom>
-            <a:ln>
-              <a:noFill/>
-            </a:ln>
-          </p:spPr>
-          <p:style>
-            <a:lnRef idx="2">
-              <a:schemeClr val="accent1">
-                <a:shade val="50000"/>
-              </a:schemeClr>
-            </a:lnRef>
-            <a:fillRef idx="1">
-              <a:schemeClr val="accent1"/>
-            </a:fillRef>
-            <a:effectRef idx="0">
-              <a:schemeClr val="accent1"/>
-            </a:effectRef>
-            <a:fontRef idx="minor">
-              <a:schemeClr val="lt1"/>
-            </a:fontRef>
-          </p:style>
-          <p:txBody>
-            <a:bodyPr rtlCol="0" anchor="ctr"/>
-            <a:lstStyle/>
-            <a:p>
-              <a:pPr algn="ctr"/>
-              <a:endParaRPr lang="en-US"/>
-            </a:p>
-          </p:txBody>
-        </p:sp>
-        <p:cxnSp>
-          <p:nvCxnSpPr>
-            <p:cNvPr id="27" name="Straight Connector 26"/>
-            <p:cNvCxnSpPr/>
-            <p:nvPr/>
-          </p:nvCxnSpPr>
-          <p:spPr>
-            <a:xfrm>
-              <a:off x="0" y="452653"/>
-              <a:ext cx="4248150" cy="0"/>
-            </a:xfrm>
-            <a:prstGeom prst="line">
-              <a:avLst/>
-            </a:prstGeom>
-            <a:ln w="50800">
-              <a:solidFill>
-                <a:schemeClr val="bg1"/>
-              </a:solidFill>
-              <a:tailEnd type="diamond"/>
-            </a:ln>
-          </p:spPr>
-          <p:style>
-            <a:lnRef idx="1">
-              <a:schemeClr val="accent1"/>
-            </a:lnRef>
-            <a:fillRef idx="0">
-              <a:schemeClr val="accent1"/>
-            </a:fillRef>
-            <a:effectRef idx="0">
-              <a:schemeClr val="accent1"/>
-            </a:effectRef>
-            <a:fontRef idx="minor">
-              <a:schemeClr val="tx1"/>
-            </a:fontRef>
-          </p:style>
-        </p:cxnSp>
-      </p:grpSp>
-      <p:grpSp>
-        <p:nvGrpSpPr>
-          <p:cNvPr id="34" name="Group 33"/>
-          <p:cNvGrpSpPr/>
-          <p:nvPr/>
-        </p:nvGrpSpPr>
-        <p:grpSpPr>
-          <a:xfrm>
-            <a:off x="6085668" y="5923665"/>
-            <a:ext cx="6106332" cy="934335"/>
-            <a:chOff x="6085668" y="5923665"/>
-            <a:chExt cx="6106332" cy="934335"/>
-          </a:xfrm>
-        </p:grpSpPr>
-        <p:sp>
-          <p:nvSpPr>
-            <p:cNvPr id="25" name="Rectangle 15"/>
-            <p:cNvSpPr/>
-            <p:nvPr/>
-          </p:nvSpPr>
-          <p:spPr>
-            <a:xfrm rot="10800000">
-              <a:off x="6085668" y="5923665"/>
-              <a:ext cx="6106332" cy="934335"/>
-            </a:xfrm>
-            <a:custGeom>
-              <a:avLst/>
-              <a:gdLst>
-                <a:gd name="connsiteX0" fmla="*/ 0 w 6106332"/>
-                <a:gd name="connsiteY0" fmla="*/ 0 h 915285"/>
-                <a:gd name="connsiteX1" fmla="*/ 6106332 w 6106332"/>
-                <a:gd name="connsiteY1" fmla="*/ 0 h 915285"/>
-                <a:gd name="connsiteX2" fmla="*/ 6106332 w 6106332"/>
-                <a:gd name="connsiteY2" fmla="*/ 915285 h 915285"/>
-                <a:gd name="connsiteX3" fmla="*/ 0 w 6106332"/>
-                <a:gd name="connsiteY3" fmla="*/ 915285 h 915285"/>
-                <a:gd name="connsiteX4" fmla="*/ 0 w 6106332"/>
-                <a:gd name="connsiteY4" fmla="*/ 0 h 915285"/>
-                <a:gd name="connsiteX0" fmla="*/ 0 w 6106332"/>
-                <a:gd name="connsiteY0" fmla="*/ 0 h 934335"/>
-                <a:gd name="connsiteX1" fmla="*/ 6106332 w 6106332"/>
-                <a:gd name="connsiteY1" fmla="*/ 0 h 934335"/>
-                <a:gd name="connsiteX2" fmla="*/ 5725332 w 6106332"/>
-                <a:gd name="connsiteY2" fmla="*/ 934335 h 934335"/>
-                <a:gd name="connsiteX3" fmla="*/ 0 w 6106332"/>
-                <a:gd name="connsiteY3" fmla="*/ 915285 h 934335"/>
-                <a:gd name="connsiteX4" fmla="*/ 0 w 6106332"/>
-                <a:gd name="connsiteY4" fmla="*/ 0 h 934335"/>
-              </a:gdLst>
-              <a:ahLst/>
-              <a:cxnLst>
-                <a:cxn ang="0">
-                  <a:pos x="connsiteX0" y="connsiteY0"/>
-                </a:cxn>
-                <a:cxn ang="0">
-                  <a:pos x="connsiteX1" y="connsiteY1"/>
-                </a:cxn>
-                <a:cxn ang="0">
-                  <a:pos x="connsiteX2" y="connsiteY2"/>
-                </a:cxn>
-                <a:cxn ang="0">
-                  <a:pos x="connsiteX3" y="connsiteY3"/>
-                </a:cxn>
-                <a:cxn ang="0">
-                  <a:pos x="connsiteX4" y="connsiteY4"/>
-                </a:cxn>
-              </a:cxnLst>
-              <a:rect l="l" t="t" r="r" b="b"/>
-              <a:pathLst>
-                <a:path w="6106332" h="934335">
-                  <a:moveTo>
-                    <a:pt x="0" y="0"/>
-                  </a:moveTo>
-                  <a:lnTo>
-                    <a:pt x="6106332" y="0"/>
-                  </a:lnTo>
-                  <a:lnTo>
-                    <a:pt x="5725332" y="934335"/>
-                  </a:lnTo>
-                  <a:lnTo>
-                    <a:pt x="0" y="915285"/>
-                  </a:lnTo>
-                  <a:lnTo>
-                    <a:pt x="0" y="0"/>
-                  </a:lnTo>
-                  <a:close/>
-                </a:path>
-              </a:pathLst>
-            </a:custGeom>
-            <a:solidFill>
-              <a:schemeClr val="accent2"/>
-            </a:solidFill>
-            <a:ln>
-              <a:noFill/>
-            </a:ln>
-          </p:spPr>
-          <p:style>
-            <a:lnRef idx="2">
-              <a:schemeClr val="accent1">
-                <a:shade val="50000"/>
-              </a:schemeClr>
-            </a:lnRef>
-            <a:fillRef idx="1">
-              <a:schemeClr val="accent1"/>
-            </a:fillRef>
-            <a:effectRef idx="0">
-              <a:schemeClr val="accent1"/>
-            </a:effectRef>
-            <a:fontRef idx="minor">
-              <a:schemeClr val="lt1"/>
-            </a:fontRef>
-          </p:style>
-          <p:txBody>
-            <a:bodyPr rtlCol="0" anchor="ctr"/>
-            <a:lstStyle/>
-            <a:p>
-              <a:pPr algn="ctr"/>
-              <a:endParaRPr lang="en-US">
-                <a:solidFill>
-                  <a:schemeClr val="accent2"/>
-                </a:solidFill>
-              </a:endParaRPr>
-            </a:p>
-          </p:txBody>
-        </p:sp>
-        <p:cxnSp>
-          <p:nvCxnSpPr>
-            <p:cNvPr id="33" name="Straight Connector 32"/>
-            <p:cNvCxnSpPr/>
-            <p:nvPr/>
-          </p:nvCxnSpPr>
-          <p:spPr>
-            <a:xfrm rot="10800000">
-              <a:off x="7943850" y="6405346"/>
-              <a:ext cx="4248150" cy="0"/>
-            </a:xfrm>
-            <a:prstGeom prst="line">
-              <a:avLst/>
-            </a:prstGeom>
-            <a:ln w="50800">
-              <a:solidFill>
-                <a:schemeClr val="bg1"/>
-              </a:solidFill>
-              <a:tailEnd type="diamond"/>
-            </a:ln>
-          </p:spPr>
-          <p:style>
-            <a:lnRef idx="1">
-              <a:schemeClr val="accent1"/>
-            </a:lnRef>
-            <a:fillRef idx="0">
-              <a:schemeClr val="accent1"/>
-            </a:fillRef>
-            <a:effectRef idx="0">
-              <a:schemeClr val="accent1"/>
-            </a:effectRef>
-            <a:fontRef idx="minor">
-              <a:schemeClr val="tx1"/>
-            </a:fontRef>
-          </p:style>
-        </p:cxnSp>
-      </p:grpSp>
-    </p:spTree>
-    <p:extLst>
-      <p:ext uri="{BB962C8B-B14F-4D97-AF65-F5344CB8AC3E}">
-        <p14:creationId xmlns:p14="http://schemas.microsoft.com/office/powerpoint/2010/main" val="968076174"/>
-      </p:ext>
-    </p:extLst>
-  </p:cSld>
-  <p:clrMapOvr>
-    <a:masterClrMapping/>
-  </p:clrMapOvr>
-</p:sld>
-</file>
-
 <file path=ppt/slides/slide3.xml><?xml version="1.0" encoding="utf-8"?>
 <p:sld xmlns:a="http://schemas.openxmlformats.org/drawingml/2006/main" xmlns:r="http://schemas.openxmlformats.org/officeDocument/2006/relationships" xmlns:p="http://schemas.openxmlformats.org/presentationml/2006/main">
   <p:cSld>
@@ -13592,7 +13073,7 @@
         </p:blipFill>
         <p:spPr>
           <a:xfrm>
-            <a:off x="5607431" y="1398087"/>
+            <a:off x="5607431" y="1667029"/>
             <a:ext cx="5740467" cy="3836065"/>
           </a:xfrm>
           <a:prstGeom prst="rect">
@@ -13608,7 +13089,7 @@
         </p:nvGrpSpPr>
         <p:grpSpPr>
           <a:xfrm>
-            <a:off x="864963" y="1188285"/>
+            <a:off x="864963" y="991062"/>
             <a:ext cx="5074022" cy="4890069"/>
             <a:chOff x="1160121" y="1912123"/>
             <a:chExt cx="3544887" cy="4890069"/>
@@ -14096,7 +13577,7 @@
         </p:nvSpPr>
         <p:spPr>
           <a:xfrm>
-            <a:off x="6658767" y="900579"/>
+            <a:off x="6658767" y="1169521"/>
             <a:ext cx="4447553" cy="497508"/>
           </a:xfrm>
           <a:prstGeom prst="rect">
@@ -15051,6 +14532,498 @@
           <a:chExt cx="0" cy="0"/>
         </a:xfrm>
       </p:grpSpPr>
+      <p:sp>
+        <p:nvSpPr>
+          <p:cNvPr id="2" name="Picture Placeholder 1"/>
+          <p:cNvSpPr>
+            <a:spLocks noGrp="1"/>
+          </p:cNvSpPr>
+          <p:nvPr>
+            <p:ph type="pic" sz="quarter" idx="10"/>
+          </p:nvPr>
+        </p:nvSpPr>
+        <p:spPr/>
+      </p:sp>
+      <p:sp>
+        <p:nvSpPr>
+          <p:cNvPr id="5" name="Rectangle 4"/>
+          <p:cNvSpPr/>
+          <p:nvPr/>
+        </p:nvSpPr>
+        <p:spPr>
+          <a:xfrm>
+            <a:off x="0" y="0"/>
+            <a:ext cx="12192000" cy="6858000"/>
+          </a:xfrm>
+          <a:prstGeom prst="rect">
+            <a:avLst/>
+          </a:prstGeom>
+          <a:solidFill>
+            <a:schemeClr val="bg1">
+              <a:alpha val="70000"/>
+            </a:schemeClr>
+          </a:solidFill>
+          <a:ln>
+            <a:noFill/>
+          </a:ln>
+        </p:spPr>
+        <p:style>
+          <a:lnRef idx="2">
+            <a:schemeClr val="accent1">
+              <a:shade val="50000"/>
+            </a:schemeClr>
+          </a:lnRef>
+          <a:fillRef idx="1">
+            <a:schemeClr val="accent1"/>
+          </a:fillRef>
+          <a:effectRef idx="0">
+            <a:schemeClr val="accent1"/>
+          </a:effectRef>
+          <a:fontRef idx="minor">
+            <a:schemeClr val="lt1"/>
+          </a:fontRef>
+        </p:style>
+        <p:txBody>
+          <a:bodyPr rtlCol="0" anchor="ctr"/>
+          <a:lstStyle/>
+          <a:p>
+            <a:pPr algn="ctr"/>
+            <a:endParaRPr lang="en-US"/>
+          </a:p>
+        </p:txBody>
+      </p:sp>
+      <p:sp>
+        <p:nvSpPr>
+          <p:cNvPr id="6" name="TextBox 5"/>
+          <p:cNvSpPr txBox="1"/>
+          <p:nvPr/>
+        </p:nvSpPr>
+        <p:spPr>
+          <a:xfrm flipH="1">
+            <a:off x="10332" y="2212673"/>
+            <a:ext cx="12191999" cy="2432654"/>
+          </a:xfrm>
+          <a:prstGeom prst="rect">
+            <a:avLst/>
+          </a:prstGeom>
+          <a:noFill/>
+          <a:ln>
+            <a:noFill/>
+          </a:ln>
+        </p:spPr>
+        <p:txBody>
+          <a:bodyPr wrap="square" rtlCol="0">
+            <a:spAutoFit/>
+          </a:bodyPr>
+          <a:lstStyle/>
+          <a:p>
+            <a:pPr algn="ctr">
+              <a:lnSpc>
+                <a:spcPct val="150000"/>
+              </a:lnSpc>
+            </a:pPr>
+            <a:r>
+              <a:rPr lang="en-US" sz="5400" b="1" spc="300" dirty="0">
+                <a:solidFill>
+                  <a:schemeClr val="tx1">
+                    <a:lumMod val="90000"/>
+                    <a:lumOff val="10000"/>
+                  </a:schemeClr>
+                </a:solidFill>
+                <a:latin typeface="+mj-lt"/>
+              </a:rPr>
+              <a:t>Movie Genre</a:t>
+            </a:r>
+          </a:p>
+          <a:p>
+            <a:pPr algn="ctr">
+              <a:lnSpc>
+                <a:spcPct val="150000"/>
+              </a:lnSpc>
+            </a:pPr>
+            <a:r>
+              <a:rPr lang="en-US" sz="5400" b="1" spc="300" dirty="0">
+                <a:solidFill>
+                  <a:schemeClr val="tx1">
+                    <a:lumMod val="90000"/>
+                    <a:lumOff val="10000"/>
+                  </a:schemeClr>
+                </a:solidFill>
+                <a:latin typeface="+mj-lt"/>
+              </a:rPr>
+              <a:t>Metascore VS </a:t>
+            </a:r>
+            <a:r>
+              <a:rPr lang="en-US" sz="5400" b="1" spc="300" dirty="0" err="1">
+                <a:solidFill>
+                  <a:schemeClr val="tx1">
+                    <a:lumMod val="90000"/>
+                    <a:lumOff val="10000"/>
+                  </a:schemeClr>
+                </a:solidFill>
+                <a:latin typeface="+mj-lt"/>
+              </a:rPr>
+              <a:t>Userscore</a:t>
+            </a:r>
+            <a:endParaRPr lang="en-US" sz="5400" b="1" spc="300" dirty="0">
+              <a:solidFill>
+                <a:schemeClr val="tx1">
+                  <a:lumMod val="90000"/>
+                  <a:lumOff val="10000"/>
+                </a:schemeClr>
+              </a:solidFill>
+              <a:latin typeface="+mj-lt"/>
+            </a:endParaRPr>
+          </a:p>
+        </p:txBody>
+      </p:sp>
+      <p:grpSp>
+        <p:nvGrpSpPr>
+          <p:cNvPr id="30" name="Group 29"/>
+          <p:cNvGrpSpPr/>
+          <p:nvPr/>
+        </p:nvGrpSpPr>
+        <p:grpSpPr>
+          <a:xfrm>
+            <a:off x="0" y="0"/>
+            <a:ext cx="6106332" cy="934335"/>
+            <a:chOff x="0" y="0"/>
+            <a:chExt cx="6106332" cy="934335"/>
+          </a:xfrm>
+        </p:grpSpPr>
+        <p:sp>
+          <p:nvSpPr>
+            <p:cNvPr id="16" name="Rectangle 15"/>
+            <p:cNvSpPr/>
+            <p:nvPr/>
+          </p:nvSpPr>
+          <p:spPr>
+            <a:xfrm>
+              <a:off x="0" y="0"/>
+              <a:ext cx="6106332" cy="934335"/>
+            </a:xfrm>
+            <a:custGeom>
+              <a:avLst/>
+              <a:gdLst>
+                <a:gd name="connsiteX0" fmla="*/ 0 w 6106332"/>
+                <a:gd name="connsiteY0" fmla="*/ 0 h 915285"/>
+                <a:gd name="connsiteX1" fmla="*/ 6106332 w 6106332"/>
+                <a:gd name="connsiteY1" fmla="*/ 0 h 915285"/>
+                <a:gd name="connsiteX2" fmla="*/ 6106332 w 6106332"/>
+                <a:gd name="connsiteY2" fmla="*/ 915285 h 915285"/>
+                <a:gd name="connsiteX3" fmla="*/ 0 w 6106332"/>
+                <a:gd name="connsiteY3" fmla="*/ 915285 h 915285"/>
+                <a:gd name="connsiteX4" fmla="*/ 0 w 6106332"/>
+                <a:gd name="connsiteY4" fmla="*/ 0 h 915285"/>
+                <a:gd name="connsiteX0" fmla="*/ 0 w 6106332"/>
+                <a:gd name="connsiteY0" fmla="*/ 0 h 934335"/>
+                <a:gd name="connsiteX1" fmla="*/ 6106332 w 6106332"/>
+                <a:gd name="connsiteY1" fmla="*/ 0 h 934335"/>
+                <a:gd name="connsiteX2" fmla="*/ 5725332 w 6106332"/>
+                <a:gd name="connsiteY2" fmla="*/ 934335 h 934335"/>
+                <a:gd name="connsiteX3" fmla="*/ 0 w 6106332"/>
+                <a:gd name="connsiteY3" fmla="*/ 915285 h 934335"/>
+                <a:gd name="connsiteX4" fmla="*/ 0 w 6106332"/>
+                <a:gd name="connsiteY4" fmla="*/ 0 h 934335"/>
+              </a:gdLst>
+              <a:ahLst/>
+              <a:cxnLst>
+                <a:cxn ang="0">
+                  <a:pos x="connsiteX0" y="connsiteY0"/>
+                </a:cxn>
+                <a:cxn ang="0">
+                  <a:pos x="connsiteX1" y="connsiteY1"/>
+                </a:cxn>
+                <a:cxn ang="0">
+                  <a:pos x="connsiteX2" y="connsiteY2"/>
+                </a:cxn>
+                <a:cxn ang="0">
+                  <a:pos x="connsiteX3" y="connsiteY3"/>
+                </a:cxn>
+                <a:cxn ang="0">
+                  <a:pos x="connsiteX4" y="connsiteY4"/>
+                </a:cxn>
+              </a:cxnLst>
+              <a:rect l="l" t="t" r="r" b="b"/>
+              <a:pathLst>
+                <a:path w="6106332" h="934335">
+                  <a:moveTo>
+                    <a:pt x="0" y="0"/>
+                  </a:moveTo>
+                  <a:lnTo>
+                    <a:pt x="6106332" y="0"/>
+                  </a:lnTo>
+                  <a:lnTo>
+                    <a:pt x="5725332" y="934335"/>
+                  </a:lnTo>
+                  <a:lnTo>
+                    <a:pt x="0" y="915285"/>
+                  </a:lnTo>
+                  <a:lnTo>
+                    <a:pt x="0" y="0"/>
+                  </a:lnTo>
+                  <a:close/>
+                </a:path>
+              </a:pathLst>
+            </a:custGeom>
+            <a:ln>
+              <a:noFill/>
+            </a:ln>
+          </p:spPr>
+          <p:style>
+            <a:lnRef idx="2">
+              <a:schemeClr val="accent1">
+                <a:shade val="50000"/>
+              </a:schemeClr>
+            </a:lnRef>
+            <a:fillRef idx="1">
+              <a:schemeClr val="accent1"/>
+            </a:fillRef>
+            <a:effectRef idx="0">
+              <a:schemeClr val="accent1"/>
+            </a:effectRef>
+            <a:fontRef idx="minor">
+              <a:schemeClr val="lt1"/>
+            </a:fontRef>
+          </p:style>
+          <p:txBody>
+            <a:bodyPr rtlCol="0" anchor="ctr"/>
+            <a:lstStyle/>
+            <a:p>
+              <a:pPr algn="ctr"/>
+              <a:endParaRPr lang="en-US"/>
+            </a:p>
+          </p:txBody>
+        </p:sp>
+        <p:cxnSp>
+          <p:nvCxnSpPr>
+            <p:cNvPr id="27" name="Straight Connector 26"/>
+            <p:cNvCxnSpPr/>
+            <p:nvPr/>
+          </p:nvCxnSpPr>
+          <p:spPr>
+            <a:xfrm>
+              <a:off x="0" y="452653"/>
+              <a:ext cx="4248150" cy="0"/>
+            </a:xfrm>
+            <a:prstGeom prst="line">
+              <a:avLst/>
+            </a:prstGeom>
+            <a:ln w="50800">
+              <a:solidFill>
+                <a:schemeClr val="bg1"/>
+              </a:solidFill>
+              <a:tailEnd type="diamond"/>
+            </a:ln>
+          </p:spPr>
+          <p:style>
+            <a:lnRef idx="1">
+              <a:schemeClr val="accent1"/>
+            </a:lnRef>
+            <a:fillRef idx="0">
+              <a:schemeClr val="accent1"/>
+            </a:fillRef>
+            <a:effectRef idx="0">
+              <a:schemeClr val="accent1"/>
+            </a:effectRef>
+            <a:fontRef idx="minor">
+              <a:schemeClr val="tx1"/>
+            </a:fontRef>
+          </p:style>
+        </p:cxnSp>
+      </p:grpSp>
+      <p:grpSp>
+        <p:nvGrpSpPr>
+          <p:cNvPr id="34" name="Group 33"/>
+          <p:cNvGrpSpPr/>
+          <p:nvPr/>
+        </p:nvGrpSpPr>
+        <p:grpSpPr>
+          <a:xfrm>
+            <a:off x="6085668" y="5923665"/>
+            <a:ext cx="6106332" cy="934335"/>
+            <a:chOff x="6085668" y="5923665"/>
+            <a:chExt cx="6106332" cy="934335"/>
+          </a:xfrm>
+        </p:grpSpPr>
+        <p:sp>
+          <p:nvSpPr>
+            <p:cNvPr id="25" name="Rectangle 15"/>
+            <p:cNvSpPr/>
+            <p:nvPr/>
+          </p:nvSpPr>
+          <p:spPr>
+            <a:xfrm rot="10800000">
+              <a:off x="6085668" y="5923665"/>
+              <a:ext cx="6106332" cy="934335"/>
+            </a:xfrm>
+            <a:custGeom>
+              <a:avLst/>
+              <a:gdLst>
+                <a:gd name="connsiteX0" fmla="*/ 0 w 6106332"/>
+                <a:gd name="connsiteY0" fmla="*/ 0 h 915285"/>
+                <a:gd name="connsiteX1" fmla="*/ 6106332 w 6106332"/>
+                <a:gd name="connsiteY1" fmla="*/ 0 h 915285"/>
+                <a:gd name="connsiteX2" fmla="*/ 6106332 w 6106332"/>
+                <a:gd name="connsiteY2" fmla="*/ 915285 h 915285"/>
+                <a:gd name="connsiteX3" fmla="*/ 0 w 6106332"/>
+                <a:gd name="connsiteY3" fmla="*/ 915285 h 915285"/>
+                <a:gd name="connsiteX4" fmla="*/ 0 w 6106332"/>
+                <a:gd name="connsiteY4" fmla="*/ 0 h 915285"/>
+                <a:gd name="connsiteX0" fmla="*/ 0 w 6106332"/>
+                <a:gd name="connsiteY0" fmla="*/ 0 h 934335"/>
+                <a:gd name="connsiteX1" fmla="*/ 6106332 w 6106332"/>
+                <a:gd name="connsiteY1" fmla="*/ 0 h 934335"/>
+                <a:gd name="connsiteX2" fmla="*/ 5725332 w 6106332"/>
+                <a:gd name="connsiteY2" fmla="*/ 934335 h 934335"/>
+                <a:gd name="connsiteX3" fmla="*/ 0 w 6106332"/>
+                <a:gd name="connsiteY3" fmla="*/ 915285 h 934335"/>
+                <a:gd name="connsiteX4" fmla="*/ 0 w 6106332"/>
+                <a:gd name="connsiteY4" fmla="*/ 0 h 934335"/>
+              </a:gdLst>
+              <a:ahLst/>
+              <a:cxnLst>
+                <a:cxn ang="0">
+                  <a:pos x="connsiteX0" y="connsiteY0"/>
+                </a:cxn>
+                <a:cxn ang="0">
+                  <a:pos x="connsiteX1" y="connsiteY1"/>
+                </a:cxn>
+                <a:cxn ang="0">
+                  <a:pos x="connsiteX2" y="connsiteY2"/>
+                </a:cxn>
+                <a:cxn ang="0">
+                  <a:pos x="connsiteX3" y="connsiteY3"/>
+                </a:cxn>
+                <a:cxn ang="0">
+                  <a:pos x="connsiteX4" y="connsiteY4"/>
+                </a:cxn>
+              </a:cxnLst>
+              <a:rect l="l" t="t" r="r" b="b"/>
+              <a:pathLst>
+                <a:path w="6106332" h="934335">
+                  <a:moveTo>
+                    <a:pt x="0" y="0"/>
+                  </a:moveTo>
+                  <a:lnTo>
+                    <a:pt x="6106332" y="0"/>
+                  </a:lnTo>
+                  <a:lnTo>
+                    <a:pt x="5725332" y="934335"/>
+                  </a:lnTo>
+                  <a:lnTo>
+                    <a:pt x="0" y="915285"/>
+                  </a:lnTo>
+                  <a:lnTo>
+                    <a:pt x="0" y="0"/>
+                  </a:lnTo>
+                  <a:close/>
+                </a:path>
+              </a:pathLst>
+            </a:custGeom>
+            <a:solidFill>
+              <a:schemeClr val="accent2"/>
+            </a:solidFill>
+            <a:ln>
+              <a:noFill/>
+            </a:ln>
+          </p:spPr>
+          <p:style>
+            <a:lnRef idx="2">
+              <a:schemeClr val="accent1">
+                <a:shade val="50000"/>
+              </a:schemeClr>
+            </a:lnRef>
+            <a:fillRef idx="1">
+              <a:schemeClr val="accent1"/>
+            </a:fillRef>
+            <a:effectRef idx="0">
+              <a:schemeClr val="accent1"/>
+            </a:effectRef>
+            <a:fontRef idx="minor">
+              <a:schemeClr val="lt1"/>
+            </a:fontRef>
+          </p:style>
+          <p:txBody>
+            <a:bodyPr rtlCol="0" anchor="ctr"/>
+            <a:lstStyle/>
+            <a:p>
+              <a:pPr algn="ctr"/>
+              <a:endParaRPr lang="en-US">
+                <a:solidFill>
+                  <a:schemeClr val="accent2"/>
+                </a:solidFill>
+              </a:endParaRPr>
+            </a:p>
+          </p:txBody>
+        </p:sp>
+        <p:cxnSp>
+          <p:nvCxnSpPr>
+            <p:cNvPr id="33" name="Straight Connector 32"/>
+            <p:cNvCxnSpPr/>
+            <p:nvPr/>
+          </p:nvCxnSpPr>
+          <p:spPr>
+            <a:xfrm rot="10800000">
+              <a:off x="7943850" y="6405346"/>
+              <a:ext cx="4248150" cy="0"/>
+            </a:xfrm>
+            <a:prstGeom prst="line">
+              <a:avLst/>
+            </a:prstGeom>
+            <a:ln w="50800">
+              <a:solidFill>
+                <a:schemeClr val="bg1"/>
+              </a:solidFill>
+              <a:tailEnd type="diamond"/>
+            </a:ln>
+          </p:spPr>
+          <p:style>
+            <a:lnRef idx="1">
+              <a:schemeClr val="accent1"/>
+            </a:lnRef>
+            <a:fillRef idx="0">
+              <a:schemeClr val="accent1"/>
+            </a:fillRef>
+            <a:effectRef idx="0">
+              <a:schemeClr val="accent1"/>
+            </a:effectRef>
+            <a:fontRef idx="minor">
+              <a:schemeClr val="tx1"/>
+            </a:fontRef>
+          </p:style>
+        </p:cxnSp>
+      </p:grpSp>
+    </p:spTree>
+    <p:extLst>
+      <p:ext uri="{BB962C8B-B14F-4D97-AF65-F5344CB8AC3E}">
+        <p14:creationId xmlns:p14="http://schemas.microsoft.com/office/powerpoint/2010/main" val="1453806466"/>
+      </p:ext>
+    </p:extLst>
+  </p:cSld>
+  <p:clrMapOvr>
+    <a:masterClrMapping/>
+  </p:clrMapOvr>
+</p:sld>
+</file>
+
+<file path=ppt/slides/slide9.xml><?xml version="1.0" encoding="utf-8"?>
+<p:sld xmlns:a="http://schemas.openxmlformats.org/drawingml/2006/main" xmlns:r="http://schemas.openxmlformats.org/officeDocument/2006/relationships" xmlns:p="http://schemas.openxmlformats.org/presentationml/2006/main">
+  <p:cSld>
+    <p:spTree>
+      <p:nvGrpSpPr>
+        <p:cNvPr id="1" name=""/>
+        <p:cNvGrpSpPr/>
+        <p:nvPr/>
+      </p:nvGrpSpPr>
+      <p:grpSpPr>
+        <a:xfrm>
+          <a:off x="0" y="0"/>
+          <a:ext cx="0" cy="0"/>
+          <a:chOff x="0" y="0"/>
+          <a:chExt cx="0" cy="0"/>
+        </a:xfrm>
+      </p:grpSpPr>
       <p:pic>
         <p:nvPicPr>
           <p:cNvPr id="34" name="图片 33">
@@ -15356,470 +15329,6 @@
     <p:extLst>
       <p:ext uri="{BB962C8B-B14F-4D97-AF65-F5344CB8AC3E}">
         <p14:creationId xmlns:p14="http://schemas.microsoft.com/office/powerpoint/2010/main" val="2305693544"/>
-      </p:ext>
-    </p:extLst>
-  </p:cSld>
-  <p:clrMapOvr>
-    <a:masterClrMapping/>
-  </p:clrMapOvr>
-</p:sld>
-</file>
-
-<file path=ppt/slides/slide9.xml><?xml version="1.0" encoding="utf-8"?>
-<p:sld xmlns:a="http://schemas.openxmlformats.org/drawingml/2006/main" xmlns:r="http://schemas.openxmlformats.org/officeDocument/2006/relationships" xmlns:p="http://schemas.openxmlformats.org/presentationml/2006/main">
-  <p:cSld>
-    <p:spTree>
-      <p:nvGrpSpPr>
-        <p:cNvPr id="1" name=""/>
-        <p:cNvGrpSpPr/>
-        <p:nvPr/>
-      </p:nvGrpSpPr>
-      <p:grpSpPr>
-        <a:xfrm>
-          <a:off x="0" y="0"/>
-          <a:ext cx="0" cy="0"/>
-          <a:chOff x="0" y="0"/>
-          <a:chExt cx="0" cy="0"/>
-        </a:xfrm>
-      </p:grpSpPr>
-      <p:pic>
-        <p:nvPicPr>
-          <p:cNvPr id="32" name="图片 31">
-            <a:extLst>
-              <a:ext uri="{FF2B5EF4-FFF2-40B4-BE49-F238E27FC236}">
-                <a16:creationId xmlns:a16="http://schemas.microsoft.com/office/drawing/2014/main" id="{8FCC2D13-B6FC-4E7F-A58A-5A8051D34877}"/>
-              </a:ext>
-            </a:extLst>
-          </p:cNvPr>
-          <p:cNvPicPr>
-            <a:picLocks noChangeAspect="1"/>
-          </p:cNvPicPr>
-          <p:nvPr/>
-        </p:nvPicPr>
-        <p:blipFill>
-          <a:blip r:embed="rId2">
-            <a:extLst>
-              <a:ext uri="{28A0092B-C50C-407E-A947-70E740481C1C}">
-                <a14:useLocalDpi xmlns:a14="http://schemas.microsoft.com/office/drawing/2010/main" val="0"/>
-              </a:ext>
-            </a:extLst>
-          </a:blip>
-          <a:srcRect/>
-          <a:stretch/>
-        </p:blipFill>
-        <p:spPr>
-          <a:xfrm>
-            <a:off x="804161" y="648927"/>
-            <a:ext cx="10366571" cy="5292244"/>
-          </a:xfrm>
-          <a:prstGeom prst="rect">
-            <a:avLst/>
-          </a:prstGeom>
-          <a:ln>
-            <a:noFill/>
-          </a:ln>
-        </p:spPr>
-      </p:pic>
-      <p:sp>
-        <p:nvSpPr>
-          <p:cNvPr id="5" name="Parallelogram 4"/>
-          <p:cNvSpPr/>
-          <p:nvPr/>
-        </p:nvSpPr>
-        <p:spPr>
-          <a:xfrm>
-            <a:off x="11003664" y="5390102"/>
-            <a:ext cx="768350" cy="781902"/>
-          </a:xfrm>
-          <a:prstGeom prst="parallelogram">
-            <a:avLst>
-              <a:gd name="adj" fmla="val 19315"/>
-            </a:avLst>
-          </a:prstGeom>
-          <a:solidFill>
-            <a:schemeClr val="accent2"/>
-          </a:solidFill>
-          <a:ln>
-            <a:noFill/>
-          </a:ln>
-        </p:spPr>
-        <p:style>
-          <a:lnRef idx="2">
-            <a:schemeClr val="accent1">
-              <a:shade val="50000"/>
-            </a:schemeClr>
-          </a:lnRef>
-          <a:fillRef idx="1">
-            <a:schemeClr val="accent1"/>
-          </a:fillRef>
-          <a:effectRef idx="0">
-            <a:schemeClr val="accent1"/>
-          </a:effectRef>
-          <a:fontRef idx="minor">
-            <a:schemeClr val="lt1"/>
-          </a:fontRef>
-        </p:style>
-        <p:txBody>
-          <a:bodyPr rtlCol="0" anchor="ctr"/>
-          <a:lstStyle/>
-          <a:p>
-            <a:pPr algn="ctr"/>
-            <a:endParaRPr lang="en-US"/>
-          </a:p>
-        </p:txBody>
-      </p:sp>
-      <p:sp>
-        <p:nvSpPr>
-          <p:cNvPr id="6" name="Parallelogram 4">
-            <a:extLst>
-              <a:ext uri="{FF2B5EF4-FFF2-40B4-BE49-F238E27FC236}">
-                <a16:creationId xmlns:a16="http://schemas.microsoft.com/office/drawing/2014/main" id="{48E37157-44A2-4522-BD31-3887632EEF68}"/>
-              </a:ext>
-            </a:extLst>
-          </p:cNvPr>
-          <p:cNvSpPr/>
-          <p:nvPr/>
-        </p:nvSpPr>
-        <p:spPr>
-          <a:xfrm>
-            <a:off x="285461" y="257976"/>
-            <a:ext cx="768350" cy="781902"/>
-          </a:xfrm>
-          <a:prstGeom prst="parallelogram">
-            <a:avLst>
-              <a:gd name="adj" fmla="val 19315"/>
-            </a:avLst>
-          </a:prstGeom>
-          <a:solidFill>
-            <a:schemeClr val="accent2"/>
-          </a:solidFill>
-          <a:ln>
-            <a:noFill/>
-          </a:ln>
-        </p:spPr>
-        <p:style>
-          <a:lnRef idx="2">
-            <a:schemeClr val="accent1">
-              <a:shade val="50000"/>
-            </a:schemeClr>
-          </a:lnRef>
-          <a:fillRef idx="1">
-            <a:schemeClr val="accent1"/>
-          </a:fillRef>
-          <a:effectRef idx="0">
-            <a:schemeClr val="accent1"/>
-          </a:effectRef>
-          <a:fontRef idx="minor">
-            <a:schemeClr val="lt1"/>
-          </a:fontRef>
-        </p:style>
-        <p:txBody>
-          <a:bodyPr rtlCol="0" anchor="ctr"/>
-          <a:lstStyle/>
-          <a:p>
-            <a:pPr algn="ctr"/>
-            <a:endParaRPr lang="en-US"/>
-          </a:p>
-        </p:txBody>
-      </p:sp>
-      <p:sp>
-        <p:nvSpPr>
-          <p:cNvPr id="7" name="矩形 6">
-            <a:extLst>
-              <a:ext uri="{FF2B5EF4-FFF2-40B4-BE49-F238E27FC236}">
-                <a16:creationId xmlns:a16="http://schemas.microsoft.com/office/drawing/2014/main" id="{3C1F77A1-4ACF-4552-8CBB-F3D2316C3D7D}"/>
-              </a:ext>
-            </a:extLst>
-          </p:cNvPr>
-          <p:cNvSpPr/>
-          <p:nvPr/>
-        </p:nvSpPr>
-        <p:spPr>
-          <a:xfrm>
-            <a:off x="9543393" y="2991841"/>
-            <a:ext cx="504496" cy="2096537"/>
-          </a:xfrm>
-          <a:prstGeom prst="rect">
-            <a:avLst/>
-          </a:prstGeom>
-          <a:noFill/>
-          <a:ln w="38100">
-            <a:solidFill>
-              <a:schemeClr val="accent5">
-                <a:lumMod val="75000"/>
-              </a:schemeClr>
-            </a:solidFill>
-          </a:ln>
-        </p:spPr>
-        <p:style>
-          <a:lnRef idx="2">
-            <a:schemeClr val="accent1">
-              <a:shade val="50000"/>
-            </a:schemeClr>
-          </a:lnRef>
-          <a:fillRef idx="1">
-            <a:schemeClr val="accent1"/>
-          </a:fillRef>
-          <a:effectRef idx="0">
-            <a:schemeClr val="accent1"/>
-          </a:effectRef>
-          <a:fontRef idx="minor">
-            <a:schemeClr val="lt1"/>
-          </a:fontRef>
-        </p:style>
-        <p:txBody>
-          <a:bodyPr rtlCol="0" anchor="ctr"/>
-          <a:lstStyle/>
-          <a:p>
-            <a:pPr algn="ctr"/>
-            <a:endParaRPr lang="en-US">
-              <a:ln w="76200">
-                <a:solidFill>
-                  <a:schemeClr val="accent1">
-                    <a:lumMod val="60000"/>
-                    <a:lumOff val="40000"/>
-                  </a:schemeClr>
-                </a:solidFill>
-              </a:ln>
-            </a:endParaRPr>
-          </a:p>
-        </p:txBody>
-      </p:sp>
-      <p:sp>
-        <p:nvSpPr>
-          <p:cNvPr id="8" name="矩形 7">
-            <a:extLst>
-              <a:ext uri="{FF2B5EF4-FFF2-40B4-BE49-F238E27FC236}">
-                <a16:creationId xmlns:a16="http://schemas.microsoft.com/office/drawing/2014/main" id="{E40554F4-A026-4B56-90B9-D1D0821F5213}"/>
-              </a:ext>
-            </a:extLst>
-          </p:cNvPr>
-          <p:cNvSpPr/>
-          <p:nvPr/>
-        </p:nvSpPr>
-        <p:spPr>
-          <a:xfrm>
-            <a:off x="4690543" y="1512228"/>
-            <a:ext cx="2113485" cy="460244"/>
-          </a:xfrm>
-          <a:prstGeom prst="rect">
-            <a:avLst/>
-          </a:prstGeom>
-          <a:noFill/>
-          <a:ln w="38100">
-            <a:solidFill>
-              <a:schemeClr val="accent5">
-                <a:lumMod val="75000"/>
-              </a:schemeClr>
-            </a:solidFill>
-          </a:ln>
-        </p:spPr>
-        <p:style>
-          <a:lnRef idx="2">
-            <a:schemeClr val="accent1">
-              <a:shade val="50000"/>
-            </a:schemeClr>
-          </a:lnRef>
-          <a:fillRef idx="1">
-            <a:schemeClr val="accent1"/>
-          </a:fillRef>
-          <a:effectRef idx="0">
-            <a:schemeClr val="accent1"/>
-          </a:effectRef>
-          <a:fontRef idx="minor">
-            <a:schemeClr val="lt1"/>
-          </a:fontRef>
-        </p:style>
-        <p:txBody>
-          <a:bodyPr rtlCol="0" anchor="ctr"/>
-          <a:lstStyle/>
-          <a:p>
-            <a:pPr algn="ctr"/>
-            <a:endParaRPr lang="en-US">
-              <a:ln w="76200">
-                <a:solidFill>
-                  <a:schemeClr val="accent1">
-                    <a:lumMod val="60000"/>
-                    <a:lumOff val="40000"/>
-                  </a:schemeClr>
-                </a:solidFill>
-              </a:ln>
-            </a:endParaRPr>
-          </a:p>
-        </p:txBody>
-      </p:sp>
-      <p:sp>
-        <p:nvSpPr>
-          <p:cNvPr id="9" name="矩形 8">
-            <a:extLst>
-              <a:ext uri="{FF2B5EF4-FFF2-40B4-BE49-F238E27FC236}">
-                <a16:creationId xmlns:a16="http://schemas.microsoft.com/office/drawing/2014/main" id="{06A773DE-5062-4112-ACEE-D5A727CEA4B8}"/>
-              </a:ext>
-            </a:extLst>
-          </p:cNvPr>
-          <p:cNvSpPr/>
-          <p:nvPr/>
-        </p:nvSpPr>
-        <p:spPr>
-          <a:xfrm>
-            <a:off x="4911396" y="4399953"/>
-            <a:ext cx="1671781" cy="541113"/>
-          </a:xfrm>
-          <a:prstGeom prst="rect">
-            <a:avLst/>
-          </a:prstGeom>
-          <a:noFill/>
-          <a:ln w="38100">
-            <a:solidFill>
-              <a:schemeClr val="accent5">
-                <a:lumMod val="75000"/>
-              </a:schemeClr>
-            </a:solidFill>
-          </a:ln>
-        </p:spPr>
-        <p:style>
-          <a:lnRef idx="2">
-            <a:schemeClr val="accent1">
-              <a:shade val="50000"/>
-            </a:schemeClr>
-          </a:lnRef>
-          <a:fillRef idx="1">
-            <a:schemeClr val="accent1"/>
-          </a:fillRef>
-          <a:effectRef idx="0">
-            <a:schemeClr val="accent1"/>
-          </a:effectRef>
-          <a:fontRef idx="minor">
-            <a:schemeClr val="lt1"/>
-          </a:fontRef>
-        </p:style>
-        <p:txBody>
-          <a:bodyPr rtlCol="0" anchor="ctr"/>
-          <a:lstStyle/>
-          <a:p>
-            <a:pPr algn="ctr"/>
-            <a:endParaRPr lang="en-US">
-              <a:ln w="76200">
-                <a:solidFill>
-                  <a:schemeClr val="accent1">
-                    <a:lumMod val="60000"/>
-                    <a:lumOff val="40000"/>
-                  </a:schemeClr>
-                </a:solidFill>
-              </a:ln>
-            </a:endParaRPr>
-          </a:p>
-        </p:txBody>
-      </p:sp>
-      <p:sp>
-        <p:nvSpPr>
-          <p:cNvPr id="10" name="矩形 9">
-            <a:extLst>
-              <a:ext uri="{FF2B5EF4-FFF2-40B4-BE49-F238E27FC236}">
-                <a16:creationId xmlns:a16="http://schemas.microsoft.com/office/drawing/2014/main" id="{A1242BD8-C176-4BFC-8357-331DD9EA5B13}"/>
-              </a:ext>
-            </a:extLst>
-          </p:cNvPr>
-          <p:cNvSpPr/>
-          <p:nvPr/>
-        </p:nvSpPr>
-        <p:spPr>
-          <a:xfrm>
-            <a:off x="2499591" y="2457948"/>
-            <a:ext cx="2650477" cy="971052"/>
-          </a:xfrm>
-          <a:prstGeom prst="rect">
-            <a:avLst/>
-          </a:prstGeom>
-          <a:noFill/>
-          <a:ln w="38100">
-            <a:solidFill>
-              <a:schemeClr val="accent5">
-                <a:lumMod val="75000"/>
-              </a:schemeClr>
-            </a:solidFill>
-          </a:ln>
-        </p:spPr>
-        <p:style>
-          <a:lnRef idx="2">
-            <a:schemeClr val="accent1">
-              <a:shade val="50000"/>
-            </a:schemeClr>
-          </a:lnRef>
-          <a:fillRef idx="1">
-            <a:schemeClr val="accent1"/>
-          </a:fillRef>
-          <a:effectRef idx="0">
-            <a:schemeClr val="accent1"/>
-          </a:effectRef>
-          <a:fontRef idx="minor">
-            <a:schemeClr val="lt1"/>
-          </a:fontRef>
-        </p:style>
-        <p:txBody>
-          <a:bodyPr rtlCol="0" anchor="ctr"/>
-          <a:lstStyle/>
-          <a:p>
-            <a:pPr algn="ctr"/>
-            <a:endParaRPr lang="en-US">
-              <a:ln w="76200">
-                <a:solidFill>
-                  <a:schemeClr val="accent1">
-                    <a:lumMod val="60000"/>
-                    <a:lumOff val="40000"/>
-                  </a:schemeClr>
-                </a:solidFill>
-              </a:ln>
-            </a:endParaRPr>
-          </a:p>
-        </p:txBody>
-      </p:sp>
-      <p:sp>
-        <p:nvSpPr>
-          <p:cNvPr id="11" name="文本框 10">
-            <a:extLst>
-              <a:ext uri="{FF2B5EF4-FFF2-40B4-BE49-F238E27FC236}">
-                <a16:creationId xmlns:a16="http://schemas.microsoft.com/office/drawing/2014/main" id="{D1E40F0C-5BD0-40C5-A4BC-9656BDFE21E1}"/>
-              </a:ext>
-            </a:extLst>
-          </p:cNvPr>
-          <p:cNvSpPr txBox="1"/>
-          <p:nvPr/>
-        </p:nvSpPr>
-        <p:spPr>
-          <a:xfrm>
-            <a:off x="285461" y="418094"/>
-            <a:ext cx="788276" cy="461665"/>
-          </a:xfrm>
-          <a:prstGeom prst="rect">
-            <a:avLst/>
-          </a:prstGeom>
-          <a:noFill/>
-        </p:spPr>
-        <p:txBody>
-          <a:bodyPr wrap="square" rtlCol="0">
-            <a:spAutoFit/>
-          </a:bodyPr>
-          <a:lstStyle/>
-          <a:p>
-            <a:r>
-              <a:rPr lang="en-US" sz="2400" b="1" dirty="0">
-                <a:solidFill>
-                  <a:schemeClr val="tx2">
-                    <a:lumMod val="75000"/>
-                    <a:lumOff val="25000"/>
-                  </a:schemeClr>
-                </a:solidFill>
-              </a:rPr>
-              <a:t>&lt;30</a:t>
-            </a:r>
-          </a:p>
-        </p:txBody>
-      </p:sp>
-    </p:spTree>
-    <p:extLst>
-      <p:ext uri="{BB962C8B-B14F-4D97-AF65-F5344CB8AC3E}">
-        <p14:creationId xmlns:p14="http://schemas.microsoft.com/office/powerpoint/2010/main" val="306286841"/>
       </p:ext>
     </p:extLst>
   </p:cSld>
